--- a/final_pjt.pptx
+++ b/final_pjt.pptx
@@ -7,8 +7,18 @@
   <p:sldIdLst>
     <p:sldId id="256" r:id="rId2"/>
     <p:sldId id="257" r:id="rId3"/>
-    <p:sldId id="258" r:id="rId4"/>
-    <p:sldId id="259" r:id="rId5"/>
+    <p:sldId id="266" r:id="rId4"/>
+    <p:sldId id="258" r:id="rId5"/>
+    <p:sldId id="261" r:id="rId6"/>
+    <p:sldId id="263" r:id="rId7"/>
+    <p:sldId id="264" r:id="rId8"/>
+    <p:sldId id="260" r:id="rId9"/>
+    <p:sldId id="262" r:id="rId10"/>
+    <p:sldId id="265" r:id="rId11"/>
+    <p:sldId id="259" r:id="rId12"/>
+    <p:sldId id="267" r:id="rId13"/>
+    <p:sldId id="268" r:id="rId14"/>
+    <p:sldId id="269" r:id="rId15"/>
   </p:sldIdLst>
   <p:sldSz cx="12192000" cy="6858000"/>
   <p:notesSz cx="6858000" cy="9144000"/>
@@ -107,7 +117,21 @@
       </a:defRPr>
     </a:lvl9pPr>
   </p:defaultTextStyle>
+  <p:extLst>
+    <p:ext uri="{EFAFB233-063F-42B5-8137-9DF3F51BA10A}">
+      <p15:sldGuideLst xmlns:p15="http://schemas.microsoft.com/office/powerpoint/2012/main"/>
+    </p:ext>
+  </p:extLst>
 </p:presentation>
+</file>
+
+<file path=ppt/revisionInfo.xml><?xml version="1.0" encoding="utf-8"?>
+<p1510:revInfo xmlns:a="http://schemas.openxmlformats.org/drawingml/2006/main" xmlns:r="http://schemas.openxmlformats.org/officeDocument/2006/relationships" xmlns:p1510="http://schemas.microsoft.com/office/powerpoint/2015/10/main">
+  <p1510:revLst>
+    <p1510:client id="{04D80190-F8A1-4190-A26F-5BE82C46FEF2}" v="32" dt="2023-05-25T13:09:52.012"/>
+    <p1510:client id="{059F3C01-4C93-44C7-9E20-8224E7D561D5}" v="1084" dt="2023-05-25T16:23:20.770"/>
+  </p1510:revLst>
+</p1510:revInfo>
 </file>
 
 <file path=ppt/slideLayouts/slideLayout1.xml><?xml version="1.0" encoding="utf-8"?>
@@ -152,10 +176,9 @@
           </a:lstStyle>
           <a:p>
             <a:r>
-              <a:rPr lang="ko-KR" altLang="en-US" smtClean="0"/>
+              <a:rPr lang="ko-KR" altLang="en-US"/>
               <a:t>마스터 제목 스타일 편집</a:t>
             </a:r>
-            <a:endParaRPr lang="ko-KR" altLang="en-US"/>
           </a:p>
         </p:txBody>
       </p:sp>
@@ -217,10 +240,9 @@
           </a:lstStyle>
           <a:p>
             <a:r>
-              <a:rPr lang="ko-KR" altLang="en-US" smtClean="0"/>
+              <a:rPr lang="ko-KR" altLang="en-US"/>
               <a:t>클릭하여 마스터 부제목 스타일 편집</a:t>
             </a:r>
-            <a:endParaRPr lang="ko-KR" altLang="en-US"/>
           </a:p>
         </p:txBody>
       </p:sp>
@@ -335,10 +357,9 @@
           <a:lstStyle/>
           <a:p>
             <a:r>
-              <a:rPr lang="ko-KR" altLang="en-US" smtClean="0"/>
+              <a:rPr lang="ko-KR" altLang="en-US"/>
               <a:t>마스터 제목 스타일 편집</a:t>
             </a:r>
-            <a:endParaRPr lang="ko-KR" altLang="en-US"/>
           </a:p>
         </p:txBody>
       </p:sp>
@@ -359,38 +380,37 @@
           <a:p>
             <a:pPr lvl="0"/>
             <a:r>
-              <a:rPr lang="ko-KR" altLang="en-US" smtClean="0"/>
+              <a:rPr lang="ko-KR" altLang="en-US"/>
               <a:t>마스터 텍스트 스타일 편집</a:t>
             </a:r>
           </a:p>
           <a:p>
             <a:pPr lvl="1"/>
             <a:r>
-              <a:rPr lang="ko-KR" altLang="en-US" smtClean="0"/>
+              <a:rPr lang="ko-KR" altLang="en-US"/>
               <a:t>둘째 수준</a:t>
             </a:r>
           </a:p>
           <a:p>
             <a:pPr lvl="2"/>
             <a:r>
-              <a:rPr lang="ko-KR" altLang="en-US" smtClean="0"/>
+              <a:rPr lang="ko-KR" altLang="en-US"/>
               <a:t>셋째 수준</a:t>
             </a:r>
           </a:p>
           <a:p>
             <a:pPr lvl="3"/>
             <a:r>
-              <a:rPr lang="ko-KR" altLang="en-US" smtClean="0"/>
+              <a:rPr lang="ko-KR" altLang="en-US"/>
               <a:t>넷째 수준</a:t>
             </a:r>
           </a:p>
           <a:p>
             <a:pPr lvl="4"/>
             <a:r>
-              <a:rPr lang="ko-KR" altLang="en-US" smtClean="0"/>
+              <a:rPr lang="ko-KR" altLang="en-US"/>
               <a:t>다섯째 수준</a:t>
             </a:r>
-            <a:endParaRPr lang="ko-KR" altLang="en-US"/>
           </a:p>
         </p:txBody>
       </p:sp>
@@ -510,10 +530,9 @@
           <a:lstStyle/>
           <a:p>
             <a:r>
-              <a:rPr lang="ko-KR" altLang="en-US" smtClean="0"/>
+              <a:rPr lang="ko-KR" altLang="en-US"/>
               <a:t>마스터 제목 스타일 편집</a:t>
             </a:r>
-            <a:endParaRPr lang="ko-KR" altLang="en-US"/>
           </a:p>
         </p:txBody>
       </p:sp>
@@ -539,38 +558,37 @@
           <a:p>
             <a:pPr lvl="0"/>
             <a:r>
-              <a:rPr lang="ko-KR" altLang="en-US" smtClean="0"/>
+              <a:rPr lang="ko-KR" altLang="en-US"/>
               <a:t>마스터 텍스트 스타일 편집</a:t>
             </a:r>
           </a:p>
           <a:p>
             <a:pPr lvl="1"/>
             <a:r>
-              <a:rPr lang="ko-KR" altLang="en-US" smtClean="0"/>
+              <a:rPr lang="ko-KR" altLang="en-US"/>
               <a:t>둘째 수준</a:t>
             </a:r>
           </a:p>
           <a:p>
             <a:pPr lvl="2"/>
             <a:r>
-              <a:rPr lang="ko-KR" altLang="en-US" smtClean="0"/>
+              <a:rPr lang="ko-KR" altLang="en-US"/>
               <a:t>셋째 수준</a:t>
             </a:r>
           </a:p>
           <a:p>
             <a:pPr lvl="3"/>
             <a:r>
-              <a:rPr lang="ko-KR" altLang="en-US" smtClean="0"/>
+              <a:rPr lang="ko-KR" altLang="en-US"/>
               <a:t>넷째 수준</a:t>
             </a:r>
           </a:p>
           <a:p>
             <a:pPr lvl="4"/>
             <a:r>
-              <a:rPr lang="ko-KR" altLang="en-US" smtClean="0"/>
+              <a:rPr lang="ko-KR" altLang="en-US"/>
               <a:t>다섯째 수준</a:t>
             </a:r>
-            <a:endParaRPr lang="ko-KR" altLang="en-US"/>
           </a:p>
         </p:txBody>
       </p:sp>
@@ -685,10 +703,9 @@
           <a:lstStyle/>
           <a:p>
             <a:r>
-              <a:rPr lang="ko-KR" altLang="en-US" smtClean="0"/>
+              <a:rPr lang="ko-KR" altLang="en-US"/>
               <a:t>마스터 제목 스타일 편집</a:t>
             </a:r>
-            <a:endParaRPr lang="ko-KR" altLang="en-US"/>
           </a:p>
         </p:txBody>
       </p:sp>
@@ -709,38 +726,37 @@
           <a:p>
             <a:pPr lvl="0"/>
             <a:r>
-              <a:rPr lang="ko-KR" altLang="en-US" smtClean="0"/>
+              <a:rPr lang="ko-KR" altLang="en-US"/>
               <a:t>마스터 텍스트 스타일 편집</a:t>
             </a:r>
           </a:p>
           <a:p>
             <a:pPr lvl="1"/>
             <a:r>
-              <a:rPr lang="ko-KR" altLang="en-US" smtClean="0"/>
+              <a:rPr lang="ko-KR" altLang="en-US"/>
               <a:t>둘째 수준</a:t>
             </a:r>
           </a:p>
           <a:p>
             <a:pPr lvl="2"/>
             <a:r>
-              <a:rPr lang="ko-KR" altLang="en-US" smtClean="0"/>
+              <a:rPr lang="ko-KR" altLang="en-US"/>
               <a:t>셋째 수준</a:t>
             </a:r>
           </a:p>
           <a:p>
             <a:pPr lvl="3"/>
             <a:r>
-              <a:rPr lang="ko-KR" altLang="en-US" smtClean="0"/>
+              <a:rPr lang="ko-KR" altLang="en-US"/>
               <a:t>넷째 수준</a:t>
             </a:r>
           </a:p>
           <a:p>
             <a:pPr lvl="4"/>
             <a:r>
-              <a:rPr lang="ko-KR" altLang="en-US" smtClean="0"/>
+              <a:rPr lang="ko-KR" altLang="en-US"/>
               <a:t>다섯째 수준</a:t>
             </a:r>
-            <a:endParaRPr lang="ko-KR" altLang="en-US"/>
           </a:p>
         </p:txBody>
       </p:sp>
@@ -864,10 +880,9 @@
           </a:lstStyle>
           <a:p>
             <a:r>
-              <a:rPr lang="ko-KR" altLang="en-US" smtClean="0"/>
+              <a:rPr lang="ko-KR" altLang="en-US"/>
               <a:t>마스터 제목 스타일 편집</a:t>
             </a:r>
-            <a:endParaRPr lang="ko-KR" altLang="en-US"/>
           </a:p>
         </p:txBody>
       </p:sp>
@@ -984,7 +999,7 @@
           <a:p>
             <a:pPr lvl="0"/>
             <a:r>
-              <a:rPr lang="ko-KR" altLang="en-US" smtClean="0"/>
+              <a:rPr lang="ko-KR" altLang="en-US"/>
               <a:t>마스터 텍스트 스타일 편집</a:t>
             </a:r>
           </a:p>
@@ -1101,10 +1116,9 @@
           <a:lstStyle/>
           <a:p>
             <a:r>
-              <a:rPr lang="ko-KR" altLang="en-US" smtClean="0"/>
+              <a:rPr lang="ko-KR" altLang="en-US"/>
               <a:t>마스터 제목 스타일 편집</a:t>
             </a:r>
-            <a:endParaRPr lang="ko-KR" altLang="en-US"/>
           </a:p>
         </p:txBody>
       </p:sp>
@@ -1130,38 +1144,37 @@
           <a:p>
             <a:pPr lvl="0"/>
             <a:r>
-              <a:rPr lang="ko-KR" altLang="en-US" smtClean="0"/>
+              <a:rPr lang="ko-KR" altLang="en-US"/>
               <a:t>마스터 텍스트 스타일 편집</a:t>
             </a:r>
           </a:p>
           <a:p>
             <a:pPr lvl="1"/>
             <a:r>
-              <a:rPr lang="ko-KR" altLang="en-US" smtClean="0"/>
+              <a:rPr lang="ko-KR" altLang="en-US"/>
               <a:t>둘째 수준</a:t>
             </a:r>
           </a:p>
           <a:p>
             <a:pPr lvl="2"/>
             <a:r>
-              <a:rPr lang="ko-KR" altLang="en-US" smtClean="0"/>
+              <a:rPr lang="ko-KR" altLang="en-US"/>
               <a:t>셋째 수준</a:t>
             </a:r>
           </a:p>
           <a:p>
             <a:pPr lvl="3"/>
             <a:r>
-              <a:rPr lang="ko-KR" altLang="en-US" smtClean="0"/>
+              <a:rPr lang="ko-KR" altLang="en-US"/>
               <a:t>넷째 수준</a:t>
             </a:r>
           </a:p>
           <a:p>
             <a:pPr lvl="4"/>
             <a:r>
-              <a:rPr lang="ko-KR" altLang="en-US" smtClean="0"/>
+              <a:rPr lang="ko-KR" altLang="en-US"/>
               <a:t>다섯째 수준</a:t>
             </a:r>
-            <a:endParaRPr lang="ko-KR" altLang="en-US"/>
           </a:p>
         </p:txBody>
       </p:sp>
@@ -1187,38 +1200,37 @@
           <a:p>
             <a:pPr lvl="0"/>
             <a:r>
-              <a:rPr lang="ko-KR" altLang="en-US" smtClean="0"/>
+              <a:rPr lang="ko-KR" altLang="en-US"/>
               <a:t>마스터 텍스트 스타일 편집</a:t>
             </a:r>
           </a:p>
           <a:p>
             <a:pPr lvl="1"/>
             <a:r>
-              <a:rPr lang="ko-KR" altLang="en-US" smtClean="0"/>
+              <a:rPr lang="ko-KR" altLang="en-US"/>
               <a:t>둘째 수준</a:t>
             </a:r>
           </a:p>
           <a:p>
             <a:pPr lvl="2"/>
             <a:r>
-              <a:rPr lang="ko-KR" altLang="en-US" smtClean="0"/>
+              <a:rPr lang="ko-KR" altLang="en-US"/>
               <a:t>셋째 수준</a:t>
             </a:r>
           </a:p>
           <a:p>
             <a:pPr lvl="3"/>
             <a:r>
-              <a:rPr lang="ko-KR" altLang="en-US" smtClean="0"/>
+              <a:rPr lang="ko-KR" altLang="en-US"/>
               <a:t>넷째 수준</a:t>
             </a:r>
           </a:p>
           <a:p>
             <a:pPr lvl="4"/>
             <a:r>
-              <a:rPr lang="ko-KR" altLang="en-US" smtClean="0"/>
+              <a:rPr lang="ko-KR" altLang="en-US"/>
               <a:t>다섯째 수준</a:t>
             </a:r>
-            <a:endParaRPr lang="ko-KR" altLang="en-US"/>
           </a:p>
         </p:txBody>
       </p:sp>
@@ -1338,10 +1350,9 @@
           <a:lstStyle/>
           <a:p>
             <a:r>
-              <a:rPr lang="ko-KR" altLang="en-US" smtClean="0"/>
+              <a:rPr lang="ko-KR" altLang="en-US"/>
               <a:t>마스터 제목 스타일 편집</a:t>
             </a:r>
-            <a:endParaRPr lang="ko-KR" altLang="en-US"/>
           </a:p>
         </p:txBody>
       </p:sp>
@@ -1404,7 +1415,7 @@
           <a:p>
             <a:pPr lvl="0"/>
             <a:r>
-              <a:rPr lang="ko-KR" altLang="en-US" smtClean="0"/>
+              <a:rPr lang="ko-KR" altLang="en-US"/>
               <a:t>마스터 텍스트 스타일 편집</a:t>
             </a:r>
           </a:p>
@@ -1432,38 +1443,37 @@
           <a:p>
             <a:pPr lvl="0"/>
             <a:r>
-              <a:rPr lang="ko-KR" altLang="en-US" smtClean="0"/>
+              <a:rPr lang="ko-KR" altLang="en-US"/>
               <a:t>마스터 텍스트 스타일 편집</a:t>
             </a:r>
           </a:p>
           <a:p>
             <a:pPr lvl="1"/>
             <a:r>
-              <a:rPr lang="ko-KR" altLang="en-US" smtClean="0"/>
+              <a:rPr lang="ko-KR" altLang="en-US"/>
               <a:t>둘째 수준</a:t>
             </a:r>
           </a:p>
           <a:p>
             <a:pPr lvl="2"/>
             <a:r>
-              <a:rPr lang="ko-KR" altLang="en-US" smtClean="0"/>
+              <a:rPr lang="ko-KR" altLang="en-US"/>
               <a:t>셋째 수준</a:t>
             </a:r>
           </a:p>
           <a:p>
             <a:pPr lvl="3"/>
             <a:r>
-              <a:rPr lang="ko-KR" altLang="en-US" smtClean="0"/>
+              <a:rPr lang="ko-KR" altLang="en-US"/>
               <a:t>넷째 수준</a:t>
             </a:r>
           </a:p>
           <a:p>
             <a:pPr lvl="4"/>
             <a:r>
-              <a:rPr lang="ko-KR" altLang="en-US" smtClean="0"/>
+              <a:rPr lang="ko-KR" altLang="en-US"/>
               <a:t>다섯째 수준</a:t>
             </a:r>
-            <a:endParaRPr lang="ko-KR" altLang="en-US"/>
           </a:p>
         </p:txBody>
       </p:sp>
@@ -1526,7 +1536,7 @@
           <a:p>
             <a:pPr lvl="0"/>
             <a:r>
-              <a:rPr lang="ko-KR" altLang="en-US" smtClean="0"/>
+              <a:rPr lang="ko-KR" altLang="en-US"/>
               <a:t>마스터 텍스트 스타일 편집</a:t>
             </a:r>
           </a:p>
@@ -1554,38 +1564,37 @@
           <a:p>
             <a:pPr lvl="0"/>
             <a:r>
-              <a:rPr lang="ko-KR" altLang="en-US" smtClean="0"/>
+              <a:rPr lang="ko-KR" altLang="en-US"/>
               <a:t>마스터 텍스트 스타일 편집</a:t>
             </a:r>
           </a:p>
           <a:p>
             <a:pPr lvl="1"/>
             <a:r>
-              <a:rPr lang="ko-KR" altLang="en-US" smtClean="0"/>
+              <a:rPr lang="ko-KR" altLang="en-US"/>
               <a:t>둘째 수준</a:t>
             </a:r>
           </a:p>
           <a:p>
             <a:pPr lvl="2"/>
             <a:r>
-              <a:rPr lang="ko-KR" altLang="en-US" smtClean="0"/>
+              <a:rPr lang="ko-KR" altLang="en-US"/>
               <a:t>셋째 수준</a:t>
             </a:r>
           </a:p>
           <a:p>
             <a:pPr lvl="3"/>
             <a:r>
-              <a:rPr lang="ko-KR" altLang="en-US" smtClean="0"/>
+              <a:rPr lang="ko-KR" altLang="en-US"/>
               <a:t>넷째 수준</a:t>
             </a:r>
           </a:p>
           <a:p>
             <a:pPr lvl="4"/>
             <a:r>
-              <a:rPr lang="ko-KR" altLang="en-US" smtClean="0"/>
+              <a:rPr lang="ko-KR" altLang="en-US"/>
               <a:t>다섯째 수준</a:t>
             </a:r>
-            <a:endParaRPr lang="ko-KR" altLang="en-US"/>
           </a:p>
         </p:txBody>
       </p:sp>
@@ -1700,10 +1709,9 @@
           <a:lstStyle/>
           <a:p>
             <a:r>
-              <a:rPr lang="ko-KR" altLang="en-US" smtClean="0"/>
+              <a:rPr lang="ko-KR" altLang="en-US"/>
               <a:t>마스터 제목 스타일 편집</a:t>
             </a:r>
-            <a:endParaRPr lang="ko-KR" altLang="en-US"/>
           </a:p>
         </p:txBody>
       </p:sp>
@@ -1922,10 +1930,9 @@
           </a:lstStyle>
           <a:p>
             <a:r>
-              <a:rPr lang="ko-KR" altLang="en-US" smtClean="0"/>
+              <a:rPr lang="ko-KR" altLang="en-US"/>
               <a:t>마스터 제목 스타일 편집</a:t>
             </a:r>
-            <a:endParaRPr lang="ko-KR" altLang="en-US"/>
           </a:p>
         </p:txBody>
       </p:sp>
@@ -1979,38 +1986,37 @@
           <a:p>
             <a:pPr lvl="0"/>
             <a:r>
-              <a:rPr lang="ko-KR" altLang="en-US" smtClean="0"/>
+              <a:rPr lang="ko-KR" altLang="en-US"/>
               <a:t>마스터 텍스트 스타일 편집</a:t>
             </a:r>
           </a:p>
           <a:p>
             <a:pPr lvl="1"/>
             <a:r>
-              <a:rPr lang="ko-KR" altLang="en-US" smtClean="0"/>
+              <a:rPr lang="ko-KR" altLang="en-US"/>
               <a:t>둘째 수준</a:t>
             </a:r>
           </a:p>
           <a:p>
             <a:pPr lvl="2"/>
             <a:r>
-              <a:rPr lang="ko-KR" altLang="en-US" smtClean="0"/>
+              <a:rPr lang="ko-KR" altLang="en-US"/>
               <a:t>셋째 수준</a:t>
             </a:r>
           </a:p>
           <a:p>
             <a:pPr lvl="3"/>
             <a:r>
-              <a:rPr lang="ko-KR" altLang="en-US" smtClean="0"/>
+              <a:rPr lang="ko-KR" altLang="en-US"/>
               <a:t>넷째 수준</a:t>
             </a:r>
           </a:p>
           <a:p>
             <a:pPr lvl="4"/>
             <a:r>
-              <a:rPr lang="ko-KR" altLang="en-US" smtClean="0"/>
+              <a:rPr lang="ko-KR" altLang="en-US"/>
               <a:t>다섯째 수준</a:t>
             </a:r>
-            <a:endParaRPr lang="ko-KR" altLang="en-US"/>
           </a:p>
         </p:txBody>
       </p:sp>
@@ -2073,7 +2079,7 @@
           <a:p>
             <a:pPr lvl="0"/>
             <a:r>
-              <a:rPr lang="ko-KR" altLang="en-US" smtClean="0"/>
+              <a:rPr lang="ko-KR" altLang="en-US"/>
               <a:t>마스터 텍스트 스타일 편집</a:t>
             </a:r>
           </a:p>
@@ -2199,10 +2205,9 @@
           </a:lstStyle>
           <a:p>
             <a:r>
-              <a:rPr lang="ko-KR" altLang="en-US" smtClean="0"/>
+              <a:rPr lang="ko-KR" altLang="en-US"/>
               <a:t>마스터 제목 스타일 편집</a:t>
             </a:r>
-            <a:endParaRPr lang="ko-KR" altLang="en-US"/>
           </a:p>
         </p:txBody>
       </p:sp>
@@ -2326,7 +2331,7 @@
           <a:p>
             <a:pPr lvl="0"/>
             <a:r>
-              <a:rPr lang="ko-KR" altLang="en-US" smtClean="0"/>
+              <a:rPr lang="ko-KR" altLang="en-US"/>
               <a:t>마스터 텍스트 스타일 편집</a:t>
             </a:r>
           </a:p>
@@ -2458,10 +2463,9 @@
           <a:lstStyle/>
           <a:p>
             <a:r>
-              <a:rPr lang="ko-KR" altLang="en-US" smtClean="0"/>
+              <a:rPr lang="ko-KR" altLang="en-US"/>
               <a:t>마스터 제목 스타일 편집</a:t>
             </a:r>
-            <a:endParaRPr lang="ko-KR" altLang="en-US"/>
           </a:p>
         </p:txBody>
       </p:sp>
@@ -2492,38 +2496,37 @@
           <a:p>
             <a:pPr lvl="0"/>
             <a:r>
-              <a:rPr lang="ko-KR" altLang="en-US" smtClean="0"/>
+              <a:rPr lang="ko-KR" altLang="en-US"/>
               <a:t>마스터 텍스트 스타일 편집</a:t>
             </a:r>
           </a:p>
           <a:p>
             <a:pPr lvl="1"/>
             <a:r>
-              <a:rPr lang="ko-KR" altLang="en-US" smtClean="0"/>
+              <a:rPr lang="ko-KR" altLang="en-US"/>
               <a:t>둘째 수준</a:t>
             </a:r>
           </a:p>
           <a:p>
             <a:pPr lvl="2"/>
             <a:r>
-              <a:rPr lang="ko-KR" altLang="en-US" smtClean="0"/>
+              <a:rPr lang="ko-KR" altLang="en-US"/>
               <a:t>셋째 수준</a:t>
             </a:r>
           </a:p>
           <a:p>
             <a:pPr lvl="3"/>
             <a:r>
-              <a:rPr lang="ko-KR" altLang="en-US" smtClean="0"/>
+              <a:rPr lang="ko-KR" altLang="en-US"/>
               <a:t>넷째 수준</a:t>
             </a:r>
           </a:p>
           <a:p>
             <a:pPr lvl="4"/>
             <a:r>
-              <a:rPr lang="ko-KR" altLang="en-US" smtClean="0"/>
+              <a:rPr lang="ko-KR" altLang="en-US"/>
               <a:t>다섯째 수준</a:t>
             </a:r>
-            <a:endParaRPr lang="ko-KR" altLang="en-US"/>
           </a:p>
         </p:txBody>
       </p:sp>
@@ -3022,7 +3025,7 @@
           <a:lstStyle/>
           <a:p>
             <a:r>
-              <a:rPr lang="ko-KR" altLang="en-US" sz="3000" dirty="0" err="1" smtClean="0">
+              <a:rPr lang="ko-KR" altLang="en-US" sz="3000" dirty="0" err="1">
                 <a:solidFill>
                   <a:schemeClr val="bg1"/>
                 </a:solidFill>
@@ -3060,7 +3063,7 @@
           <a:lstStyle/>
           <a:p>
             <a:r>
-              <a:rPr lang="ko-KR" altLang="en-US" sz="3000" dirty="0" err="1" smtClean="0">
+              <a:rPr lang="ko-KR" altLang="en-US" sz="3000" dirty="0" err="1">
                 <a:solidFill>
                   <a:schemeClr val="bg1"/>
                 </a:solidFill>
@@ -3079,6 +3082,1152 @@
     <p:extLst>
       <p:ext uri="{BB962C8B-B14F-4D97-AF65-F5344CB8AC3E}">
         <p14:creationId xmlns:p14="http://schemas.microsoft.com/office/powerpoint/2010/main" val="676635156"/>
+      </p:ext>
+    </p:extLst>
+  </p:cSld>
+  <p:clrMapOvr>
+    <a:masterClrMapping/>
+  </p:clrMapOvr>
+</p:sld>
+</file>
+
+<file path=ppt/slides/slide10.xml><?xml version="1.0" encoding="utf-8"?>
+<p:sld xmlns:a="http://schemas.openxmlformats.org/drawingml/2006/main" xmlns:r="http://schemas.openxmlformats.org/officeDocument/2006/relationships" xmlns:p="http://schemas.openxmlformats.org/presentationml/2006/main">
+  <p:cSld>
+    <p:bg>
+      <p:bgPr>
+        <a:solidFill>
+          <a:schemeClr val="tx1"/>
+        </a:solidFill>
+        <a:effectLst/>
+      </p:bgPr>
+    </p:bg>
+    <p:spTree>
+      <p:nvGrpSpPr>
+        <p:cNvPr id="1" name=""/>
+        <p:cNvGrpSpPr/>
+        <p:nvPr/>
+      </p:nvGrpSpPr>
+      <p:grpSpPr>
+        <a:xfrm>
+          <a:off x="0" y="0"/>
+          <a:ext cx="0" cy="0"/>
+          <a:chOff x="0" y="0"/>
+          <a:chExt cx="0" cy="0"/>
+        </a:xfrm>
+      </p:grpSpPr>
+      <p:sp>
+        <p:nvSpPr>
+          <p:cNvPr id="8" name="직사각형 7">
+            <a:extLst>
+              <a:ext uri="{FF2B5EF4-FFF2-40B4-BE49-F238E27FC236}">
+                <a16:creationId xmlns:a16="http://schemas.microsoft.com/office/drawing/2014/main" id="{1DA370CC-2F0E-C4C9-F53D-D1CB4CC165B0}"/>
+              </a:ext>
+            </a:extLst>
+          </p:cNvPr>
+          <p:cNvSpPr/>
+          <p:nvPr/>
+        </p:nvSpPr>
+        <p:spPr>
+          <a:xfrm>
+            <a:off x="1104194" y="666749"/>
+            <a:ext cx="9990666" cy="5524499"/>
+          </a:xfrm>
+          <a:prstGeom prst="rect">
+            <a:avLst/>
+          </a:prstGeom>
+          <a:noFill/>
+          <a:ln>
+            <a:solidFill>
+              <a:schemeClr val="bg1"/>
+            </a:solidFill>
+          </a:ln>
+        </p:spPr>
+        <p:style>
+          <a:lnRef idx="2">
+            <a:schemeClr val="accent1">
+              <a:shade val="15000"/>
+            </a:schemeClr>
+          </a:lnRef>
+          <a:fillRef idx="1">
+            <a:schemeClr val="accent1"/>
+          </a:fillRef>
+          <a:effectRef idx="0">
+            <a:schemeClr val="accent1"/>
+          </a:effectRef>
+          <a:fontRef idx="minor">
+            <a:schemeClr val="lt1"/>
+          </a:fontRef>
+        </p:style>
+        <p:txBody>
+          <a:bodyPr rtlCol="0" anchor="ctr"/>
+          <a:lstStyle/>
+          <a:p>
+            <a:pPr algn="ctr"/>
+            <a:endParaRPr lang="ko-KR" altLang="en-US"/>
+          </a:p>
+        </p:txBody>
+      </p:sp>
+      <p:sp>
+        <p:nvSpPr>
+          <p:cNvPr id="10" name="제목 1">
+            <a:extLst>
+              <a:ext uri="{FF2B5EF4-FFF2-40B4-BE49-F238E27FC236}">
+                <a16:creationId xmlns:a16="http://schemas.microsoft.com/office/drawing/2014/main" id="{8F2FF1B8-D4E8-3B4B-9A82-93E0A4A200FD}"/>
+              </a:ext>
+            </a:extLst>
+          </p:cNvPr>
+          <p:cNvSpPr>
+            <a:spLocks noGrp="1"/>
+          </p:cNvSpPr>
+          <p:nvPr>
+            <p:ph type="title"/>
+          </p:nvPr>
+        </p:nvSpPr>
+        <p:spPr>
+          <a:xfrm>
+            <a:off x="4470022" y="2760933"/>
+            <a:ext cx="3255334" cy="1339674"/>
+          </a:xfrm>
+        </p:spPr>
+        <p:txBody>
+          <a:bodyPr>
+            <a:noAutofit/>
+          </a:bodyPr>
+          <a:lstStyle/>
+          <a:p>
+            <a:pPr algn="ctr"/>
+            <a:r>
+              <a:rPr lang="ko-KR" altLang="en-US" sz="4800" dirty="0" err="1">
+                <a:solidFill>
+                  <a:schemeClr val="bg1"/>
+                </a:solidFill>
+                <a:ea typeface="맑은 고딕"/>
+              </a:rPr>
+              <a:t>App</a:t>
+            </a:r>
+            <a:endParaRPr lang="ko-KR" altLang="en-US" sz="4800">
+              <a:solidFill>
+                <a:schemeClr val="bg1"/>
+              </a:solidFill>
+              <a:ea typeface="맑은 고딕"/>
+            </a:endParaRPr>
+          </a:p>
+        </p:txBody>
+      </p:sp>
+    </p:spTree>
+    <p:extLst>
+      <p:ext uri="{BB962C8B-B14F-4D97-AF65-F5344CB8AC3E}">
+        <p14:creationId xmlns:p14="http://schemas.microsoft.com/office/powerpoint/2010/main" val="4215112839"/>
+      </p:ext>
+    </p:extLst>
+  </p:cSld>
+  <p:clrMapOvr>
+    <a:masterClrMapping/>
+  </p:clrMapOvr>
+</p:sld>
+</file>
+
+<file path=ppt/slides/slide11.xml><?xml version="1.0" encoding="utf-8"?>
+<p:sld xmlns:a="http://schemas.openxmlformats.org/drawingml/2006/main" xmlns:r="http://schemas.openxmlformats.org/officeDocument/2006/relationships" xmlns:p="http://schemas.openxmlformats.org/presentationml/2006/main">
+  <p:cSld>
+    <p:bg>
+      <p:bgPr>
+        <a:solidFill>
+          <a:schemeClr val="tx1"/>
+        </a:solidFill>
+        <a:effectLst/>
+      </p:bgPr>
+    </p:bg>
+    <p:spTree>
+      <p:nvGrpSpPr>
+        <p:cNvPr id="1" name=""/>
+        <p:cNvGrpSpPr/>
+        <p:nvPr/>
+      </p:nvGrpSpPr>
+      <p:grpSpPr>
+        <a:xfrm>
+          <a:off x="0" y="0"/>
+          <a:ext cx="0" cy="0"/>
+          <a:chOff x="0" y="0"/>
+          <a:chExt cx="0" cy="0"/>
+        </a:xfrm>
+      </p:grpSpPr>
+      <p:pic>
+        <p:nvPicPr>
+          <p:cNvPr id="7" name="그림 7">
+            <a:extLst>
+              <a:ext uri="{FF2B5EF4-FFF2-40B4-BE49-F238E27FC236}">
+                <a16:creationId xmlns:a16="http://schemas.microsoft.com/office/drawing/2014/main" id="{9D9F595A-4ECD-0430-1917-0B4DDD92D220}"/>
+              </a:ext>
+            </a:extLst>
+          </p:cNvPr>
+          <p:cNvPicPr>
+            <a:picLocks noChangeAspect="1"/>
+          </p:cNvPicPr>
+          <p:nvPr/>
+        </p:nvPicPr>
+        <p:blipFill>
+          <a:blip r:embed="rId2"/>
+          <a:stretch>
+            <a:fillRect/>
+          </a:stretch>
+        </p:blipFill>
+        <p:spPr>
+          <a:xfrm>
+            <a:off x="1676398" y="1561571"/>
+            <a:ext cx="3258256" cy="3727801"/>
+          </a:xfrm>
+          <a:prstGeom prst="rect">
+            <a:avLst/>
+          </a:prstGeom>
+        </p:spPr>
+      </p:pic>
+      <p:sp>
+        <p:nvSpPr>
+          <p:cNvPr id="11" name="제목 1">
+            <a:extLst>
+              <a:ext uri="{FF2B5EF4-FFF2-40B4-BE49-F238E27FC236}">
+                <a16:creationId xmlns:a16="http://schemas.microsoft.com/office/drawing/2014/main" id="{CA8E909C-F515-9B46-364A-25659614E87D}"/>
+              </a:ext>
+            </a:extLst>
+          </p:cNvPr>
+          <p:cNvSpPr>
+            <a:spLocks noGrp="1"/>
+          </p:cNvSpPr>
+          <p:nvPr>
+            <p:ph type="title"/>
+          </p:nvPr>
+        </p:nvSpPr>
+        <p:spPr>
+          <a:xfrm>
+            <a:off x="2120522" y="5780711"/>
+            <a:ext cx="2366334" cy="852841"/>
+          </a:xfrm>
+        </p:spPr>
+        <p:txBody>
+          <a:bodyPr>
+            <a:noAutofit/>
+          </a:bodyPr>
+          <a:lstStyle/>
+          <a:p>
+            <a:pPr algn="ctr"/>
+            <a:r>
+              <a:rPr lang="ko-KR" altLang="en-US" sz="3200" dirty="0">
+                <a:solidFill>
+                  <a:schemeClr val="bg1"/>
+                </a:solidFill>
+                <a:ea typeface="맑은 고딕"/>
+              </a:rPr>
+              <a:t>로그인 화면</a:t>
+            </a:r>
+          </a:p>
+        </p:txBody>
+      </p:sp>
+      <p:pic>
+        <p:nvPicPr>
+          <p:cNvPr id="12" name="그림 12">
+            <a:extLst>
+              <a:ext uri="{FF2B5EF4-FFF2-40B4-BE49-F238E27FC236}">
+                <a16:creationId xmlns:a16="http://schemas.microsoft.com/office/drawing/2014/main" id="{D007A927-5883-18AB-C557-F1A2F244171D}"/>
+              </a:ext>
+            </a:extLst>
+          </p:cNvPr>
+          <p:cNvPicPr>
+            <a:picLocks noChangeAspect="1"/>
+          </p:cNvPicPr>
+          <p:nvPr/>
+        </p:nvPicPr>
+        <p:blipFill>
+          <a:blip r:embed="rId3"/>
+          <a:stretch>
+            <a:fillRect/>
+          </a:stretch>
+        </p:blipFill>
+        <p:spPr>
+          <a:xfrm>
+            <a:off x="7130343" y="1254451"/>
+            <a:ext cx="3039533" cy="4349092"/>
+          </a:xfrm>
+          <a:prstGeom prst="rect">
+            <a:avLst/>
+          </a:prstGeom>
+        </p:spPr>
+      </p:pic>
+      <p:sp>
+        <p:nvSpPr>
+          <p:cNvPr id="17" name="제목 1">
+            <a:extLst>
+              <a:ext uri="{FF2B5EF4-FFF2-40B4-BE49-F238E27FC236}">
+                <a16:creationId xmlns:a16="http://schemas.microsoft.com/office/drawing/2014/main" id="{8A127A57-B383-AEC0-3539-97ADABE2926A}"/>
+              </a:ext>
+            </a:extLst>
+          </p:cNvPr>
+          <p:cNvSpPr txBox="1">
+            <a:spLocks/>
+          </p:cNvSpPr>
+          <p:nvPr/>
+        </p:nvSpPr>
+        <p:spPr>
+          <a:xfrm>
+            <a:off x="7183588" y="5777889"/>
+            <a:ext cx="2916666" cy="852841"/>
+          </a:xfrm>
+          <a:prstGeom prst="rect">
+            <a:avLst/>
+          </a:prstGeom>
+        </p:spPr>
+        <p:txBody>
+          <a:bodyPr vert="horz" lIns="91440" tIns="45720" rIns="91440" bIns="45720" rtlCol="0" anchor="ctr">
+            <a:noAutofit/>
+          </a:bodyPr>
+          <a:lstStyle>
+            <a:lvl1pPr algn="l" defTabSz="914400" rtl="0" eaLnBrk="1" latinLnBrk="1" hangingPunct="1">
+              <a:lnSpc>
+                <a:spcPct val="90000"/>
+              </a:lnSpc>
+              <a:spcBef>
+                <a:spcPct val="0"/>
+              </a:spcBef>
+              <a:buNone/>
+              <a:defRPr sz="4400" kern="1200">
+                <a:solidFill>
+                  <a:schemeClr val="tx1"/>
+                </a:solidFill>
+                <a:latin typeface="+mj-lt"/>
+                <a:ea typeface="+mj-ea"/>
+                <a:cs typeface="+mj-cs"/>
+              </a:defRPr>
+            </a:lvl1pPr>
+          </a:lstStyle>
+          <a:p>
+            <a:pPr algn="ctr"/>
+            <a:r>
+              <a:rPr lang="ko-KR" altLang="en-US" sz="3200" dirty="0">
+                <a:solidFill>
+                  <a:schemeClr val="bg1"/>
+                </a:solidFill>
+                <a:ea typeface="맑은 고딕"/>
+              </a:rPr>
+              <a:t>회원가입 화면</a:t>
+            </a:r>
+          </a:p>
+        </p:txBody>
+      </p:sp>
+      <p:sp>
+        <p:nvSpPr>
+          <p:cNvPr id="21" name="제목 1">
+            <a:extLst>
+              <a:ext uri="{FF2B5EF4-FFF2-40B4-BE49-F238E27FC236}">
+                <a16:creationId xmlns:a16="http://schemas.microsoft.com/office/drawing/2014/main" id="{2C4F978B-9136-A9FF-BD19-4F7BF1870DF6}"/>
+              </a:ext>
+            </a:extLst>
+          </p:cNvPr>
+          <p:cNvSpPr txBox="1">
+            <a:spLocks/>
+          </p:cNvSpPr>
+          <p:nvPr/>
+        </p:nvSpPr>
+        <p:spPr>
+          <a:xfrm>
+            <a:off x="4728294" y="470958"/>
+            <a:ext cx="2739086" cy="972786"/>
+          </a:xfrm>
+          <a:prstGeom prst="rect">
+            <a:avLst/>
+          </a:prstGeom>
+        </p:spPr>
+        <p:txBody>
+          <a:bodyPr vert="horz" lIns="91440" tIns="45720" rIns="91440" bIns="45720" rtlCol="0" anchor="ctr">
+            <a:noAutofit/>
+          </a:bodyPr>
+          <a:lstStyle>
+            <a:lvl1pPr algn="l" defTabSz="914400" rtl="0" eaLnBrk="1" latinLnBrk="1" hangingPunct="1">
+              <a:lnSpc>
+                <a:spcPct val="90000"/>
+              </a:lnSpc>
+              <a:spcBef>
+                <a:spcPct val="0"/>
+              </a:spcBef>
+              <a:buNone/>
+              <a:defRPr sz="4400" kern="1200">
+                <a:solidFill>
+                  <a:schemeClr val="tx1"/>
+                </a:solidFill>
+                <a:latin typeface="+mj-lt"/>
+                <a:ea typeface="+mj-ea"/>
+                <a:cs typeface="+mj-cs"/>
+              </a:defRPr>
+            </a:lvl1pPr>
+          </a:lstStyle>
+          <a:p>
+            <a:pPr algn="ctr"/>
+            <a:r>
+              <a:rPr lang="ko-KR" altLang="en-US" sz="4800" dirty="0" err="1">
+                <a:solidFill>
+                  <a:schemeClr val="bg1"/>
+                </a:solidFill>
+                <a:ea typeface="맑은 고딕"/>
+              </a:rPr>
+              <a:t>accounts</a:t>
+            </a:r>
+            <a:endParaRPr lang="ko-KR" dirty="0" err="1"/>
+          </a:p>
+        </p:txBody>
+      </p:sp>
+    </p:spTree>
+    <p:extLst>
+      <p:ext uri="{BB962C8B-B14F-4D97-AF65-F5344CB8AC3E}">
+        <p14:creationId xmlns:p14="http://schemas.microsoft.com/office/powerpoint/2010/main" val="3601089147"/>
+      </p:ext>
+    </p:extLst>
+  </p:cSld>
+  <p:clrMapOvr>
+    <a:masterClrMapping/>
+  </p:clrMapOvr>
+</p:sld>
+</file>
+
+<file path=ppt/slides/slide12.xml><?xml version="1.0" encoding="utf-8"?>
+<p:sld xmlns:a="http://schemas.openxmlformats.org/drawingml/2006/main" xmlns:r="http://schemas.openxmlformats.org/officeDocument/2006/relationships" xmlns:p="http://schemas.openxmlformats.org/presentationml/2006/main">
+  <p:cSld>
+    <p:bg>
+      <p:bgPr>
+        <a:solidFill>
+          <a:schemeClr val="tx1"/>
+        </a:solidFill>
+        <a:effectLst/>
+      </p:bgPr>
+    </p:bg>
+    <p:spTree>
+      <p:nvGrpSpPr>
+        <p:cNvPr id="1" name=""/>
+        <p:cNvGrpSpPr/>
+        <p:nvPr/>
+      </p:nvGrpSpPr>
+      <p:grpSpPr>
+        <a:xfrm>
+          <a:off x="0" y="0"/>
+          <a:ext cx="0" cy="0"/>
+          <a:chOff x="0" y="0"/>
+          <a:chExt cx="0" cy="0"/>
+        </a:xfrm>
+      </p:grpSpPr>
+      <p:sp>
+        <p:nvSpPr>
+          <p:cNvPr id="21" name="제목 1">
+            <a:extLst>
+              <a:ext uri="{FF2B5EF4-FFF2-40B4-BE49-F238E27FC236}">
+                <a16:creationId xmlns:a16="http://schemas.microsoft.com/office/drawing/2014/main" id="{2C4F978B-9136-A9FF-BD19-4F7BF1870DF6}"/>
+              </a:ext>
+            </a:extLst>
+          </p:cNvPr>
+          <p:cNvSpPr txBox="1">
+            <a:spLocks/>
+          </p:cNvSpPr>
+          <p:nvPr/>
+        </p:nvSpPr>
+        <p:spPr>
+          <a:xfrm>
+            <a:off x="4728294" y="470958"/>
+            <a:ext cx="2739086" cy="972786"/>
+          </a:xfrm>
+          <a:prstGeom prst="rect">
+            <a:avLst/>
+          </a:prstGeom>
+        </p:spPr>
+        <p:txBody>
+          <a:bodyPr vert="horz" lIns="91440" tIns="45720" rIns="91440" bIns="45720" rtlCol="0" anchor="ctr">
+            <a:noAutofit/>
+          </a:bodyPr>
+          <a:lstStyle>
+            <a:lvl1pPr algn="l" defTabSz="914400" rtl="0" eaLnBrk="1" latinLnBrk="1" hangingPunct="1">
+              <a:lnSpc>
+                <a:spcPct val="90000"/>
+              </a:lnSpc>
+              <a:spcBef>
+                <a:spcPct val="0"/>
+              </a:spcBef>
+              <a:buNone/>
+              <a:defRPr sz="4400" kern="1200">
+                <a:solidFill>
+                  <a:schemeClr val="tx1"/>
+                </a:solidFill>
+                <a:latin typeface="+mj-lt"/>
+                <a:ea typeface="+mj-ea"/>
+                <a:cs typeface="+mj-cs"/>
+              </a:defRPr>
+            </a:lvl1pPr>
+          </a:lstStyle>
+          <a:p>
+            <a:pPr algn="ctr"/>
+            <a:r>
+              <a:rPr lang="ko-KR" altLang="en-US" sz="4800" dirty="0" err="1">
+                <a:solidFill>
+                  <a:schemeClr val="bg1"/>
+                </a:solidFill>
+                <a:ea typeface="맑은 고딕"/>
+              </a:rPr>
+              <a:t>movies</a:t>
+            </a:r>
+            <a:endParaRPr lang="ko-KR" dirty="0" err="1"/>
+          </a:p>
+        </p:txBody>
+      </p:sp>
+      <p:pic>
+        <p:nvPicPr>
+          <p:cNvPr id="5" name="그림 5" descr="웹사이트이(가) 표시된 사진&#10;&#10;자동 생성된 설명">
+            <a:extLst>
+              <a:ext uri="{FF2B5EF4-FFF2-40B4-BE49-F238E27FC236}">
+                <a16:creationId xmlns:a16="http://schemas.microsoft.com/office/drawing/2014/main" id="{D7D21A08-B475-D762-3C5C-E55B39221259}"/>
+              </a:ext>
+            </a:extLst>
+          </p:cNvPr>
+          <p:cNvPicPr>
+            <a:picLocks noChangeAspect="1"/>
+          </p:cNvPicPr>
+          <p:nvPr/>
+        </p:nvPicPr>
+        <p:blipFill>
+          <a:blip r:embed="rId2"/>
+          <a:stretch>
+            <a:fillRect/>
+          </a:stretch>
+        </p:blipFill>
+        <p:spPr>
+          <a:xfrm>
+            <a:off x="6770511" y="1657300"/>
+            <a:ext cx="4119033" cy="4121955"/>
+          </a:xfrm>
+          <a:prstGeom prst="rect">
+            <a:avLst/>
+          </a:prstGeom>
+        </p:spPr>
+      </p:pic>
+      <p:sp>
+        <p:nvSpPr>
+          <p:cNvPr id="9" name="제목 1">
+            <a:extLst>
+              <a:ext uri="{FF2B5EF4-FFF2-40B4-BE49-F238E27FC236}">
+                <a16:creationId xmlns:a16="http://schemas.microsoft.com/office/drawing/2014/main" id="{707F04E8-78C6-F13B-8B62-6EC258FE8AF5}"/>
+              </a:ext>
+            </a:extLst>
+          </p:cNvPr>
+          <p:cNvSpPr txBox="1">
+            <a:spLocks/>
+          </p:cNvSpPr>
+          <p:nvPr/>
+        </p:nvSpPr>
+        <p:spPr>
+          <a:xfrm>
+            <a:off x="1485522" y="5780711"/>
+            <a:ext cx="3636334" cy="852841"/>
+          </a:xfrm>
+          <a:prstGeom prst="rect">
+            <a:avLst/>
+          </a:prstGeom>
+        </p:spPr>
+        <p:txBody>
+          <a:bodyPr vert="horz" lIns="91440" tIns="45720" rIns="91440" bIns="45720" rtlCol="0" anchor="ctr">
+            <a:noAutofit/>
+          </a:bodyPr>
+          <a:lstStyle>
+            <a:lvl1pPr algn="l" defTabSz="914400" rtl="0" eaLnBrk="1" latinLnBrk="1" hangingPunct="1">
+              <a:lnSpc>
+                <a:spcPct val="90000"/>
+              </a:lnSpc>
+              <a:spcBef>
+                <a:spcPct val="0"/>
+              </a:spcBef>
+              <a:buNone/>
+              <a:defRPr sz="4400" kern="1200">
+                <a:solidFill>
+                  <a:schemeClr val="tx1"/>
+                </a:solidFill>
+                <a:latin typeface="+mj-lt"/>
+                <a:ea typeface="+mj-ea"/>
+                <a:cs typeface="+mj-cs"/>
+              </a:defRPr>
+            </a:lvl1pPr>
+          </a:lstStyle>
+          <a:p>
+            <a:pPr algn="ctr"/>
+            <a:r>
+              <a:rPr lang="ko-KR" altLang="en-US" sz="3200" dirty="0">
+                <a:solidFill>
+                  <a:schemeClr val="bg1"/>
+                </a:solidFill>
+                <a:ea typeface="맑은 고딕"/>
+              </a:rPr>
+              <a:t>메인 화면</a:t>
+            </a:r>
+            <a:r>
+              <a:rPr lang="ko-KR" altLang="en-US" sz="2000" dirty="0">
+                <a:solidFill>
+                  <a:schemeClr val="bg1"/>
+                </a:solidFill>
+                <a:ea typeface="맑은 고딕"/>
+              </a:rPr>
+              <a:t>(검색, 추천 등)</a:t>
+            </a:r>
+          </a:p>
+        </p:txBody>
+      </p:sp>
+      <p:pic>
+        <p:nvPicPr>
+          <p:cNvPr id="14" name="그림 14" descr="웹사이트이(가) 표시된 사진&#10;&#10;자동 생성된 설명">
+            <a:extLst>
+              <a:ext uri="{FF2B5EF4-FFF2-40B4-BE49-F238E27FC236}">
+                <a16:creationId xmlns:a16="http://schemas.microsoft.com/office/drawing/2014/main" id="{B45887C8-ABFE-D692-55C0-CB6DCF02E2E7}"/>
+              </a:ext>
+            </a:extLst>
+          </p:cNvPr>
+          <p:cNvPicPr>
+            <a:picLocks noChangeAspect="1"/>
+          </p:cNvPicPr>
+          <p:nvPr/>
+        </p:nvPicPr>
+        <p:blipFill>
+          <a:blip r:embed="rId3"/>
+          <a:stretch>
+            <a:fillRect/>
+          </a:stretch>
+        </p:blipFill>
+        <p:spPr>
+          <a:xfrm>
+            <a:off x="1429456" y="1659870"/>
+            <a:ext cx="3752144" cy="3989815"/>
+          </a:xfrm>
+          <a:prstGeom prst="rect">
+            <a:avLst/>
+          </a:prstGeom>
+        </p:spPr>
+      </p:pic>
+      <p:sp>
+        <p:nvSpPr>
+          <p:cNvPr id="15" name="직사각형 14">
+            <a:extLst>
+              <a:ext uri="{FF2B5EF4-FFF2-40B4-BE49-F238E27FC236}">
+                <a16:creationId xmlns:a16="http://schemas.microsoft.com/office/drawing/2014/main" id="{549728C9-5008-447A-39D2-84F6BCD8884A}"/>
+              </a:ext>
+            </a:extLst>
+          </p:cNvPr>
+          <p:cNvSpPr/>
+          <p:nvPr/>
+        </p:nvSpPr>
+        <p:spPr>
+          <a:xfrm>
+            <a:off x="1386416" y="1446389"/>
+            <a:ext cx="56445" cy="4212165"/>
+          </a:xfrm>
+          <a:prstGeom prst="rect">
+            <a:avLst/>
+          </a:prstGeom>
+          <a:solidFill>
+            <a:schemeClr val="tx1"/>
+          </a:solidFill>
+          <a:ln>
+            <a:noFill/>
+          </a:ln>
+        </p:spPr>
+        <p:style>
+          <a:lnRef idx="2">
+            <a:schemeClr val="accent1">
+              <a:shade val="15000"/>
+            </a:schemeClr>
+          </a:lnRef>
+          <a:fillRef idx="1">
+            <a:schemeClr val="accent1"/>
+          </a:fillRef>
+          <a:effectRef idx="0">
+            <a:schemeClr val="accent1"/>
+          </a:effectRef>
+          <a:fontRef idx="minor">
+            <a:schemeClr val="lt1"/>
+          </a:fontRef>
+        </p:style>
+        <p:txBody>
+          <a:bodyPr rtlCol="0" anchor="ctr"/>
+          <a:lstStyle/>
+          <a:p>
+            <a:pPr algn="ctr"/>
+            <a:endParaRPr lang="ko-KR" altLang="en-US"/>
+          </a:p>
+        </p:txBody>
+      </p:sp>
+      <p:sp>
+        <p:nvSpPr>
+          <p:cNvPr id="18" name="제목 1">
+            <a:extLst>
+              <a:ext uri="{FF2B5EF4-FFF2-40B4-BE49-F238E27FC236}">
+                <a16:creationId xmlns:a16="http://schemas.microsoft.com/office/drawing/2014/main" id="{A262B5C4-C6BE-E552-CAA1-A6469CDE0996}"/>
+              </a:ext>
+            </a:extLst>
+          </p:cNvPr>
+          <p:cNvSpPr txBox="1">
+            <a:spLocks/>
+          </p:cNvSpPr>
+          <p:nvPr/>
+        </p:nvSpPr>
+        <p:spPr>
+          <a:xfrm>
+            <a:off x="7183588" y="5777889"/>
+            <a:ext cx="2916666" cy="852841"/>
+          </a:xfrm>
+          <a:prstGeom prst="rect">
+            <a:avLst/>
+          </a:prstGeom>
+        </p:spPr>
+        <p:txBody>
+          <a:bodyPr vert="horz" lIns="91440" tIns="45720" rIns="91440" bIns="45720" rtlCol="0" anchor="ctr">
+            <a:noAutofit/>
+          </a:bodyPr>
+          <a:lstStyle>
+            <a:lvl1pPr algn="l" defTabSz="914400" rtl="0" eaLnBrk="1" latinLnBrk="1" hangingPunct="1">
+              <a:lnSpc>
+                <a:spcPct val="90000"/>
+              </a:lnSpc>
+              <a:spcBef>
+                <a:spcPct val="0"/>
+              </a:spcBef>
+              <a:buNone/>
+              <a:defRPr sz="4400" kern="1200">
+                <a:solidFill>
+                  <a:schemeClr val="tx1"/>
+                </a:solidFill>
+                <a:latin typeface="+mj-lt"/>
+                <a:ea typeface="+mj-ea"/>
+                <a:cs typeface="+mj-cs"/>
+              </a:defRPr>
+            </a:lvl1pPr>
+          </a:lstStyle>
+          <a:p>
+            <a:pPr algn="ctr"/>
+            <a:r>
+              <a:rPr lang="ko-KR" altLang="en-US" sz="3200" dirty="0">
+                <a:solidFill>
+                  <a:schemeClr val="bg1"/>
+                </a:solidFill>
+                <a:ea typeface="맑은 고딕"/>
+              </a:rPr>
+              <a:t>영화 상세화면</a:t>
+            </a:r>
+          </a:p>
+        </p:txBody>
+      </p:sp>
+    </p:spTree>
+    <p:extLst>
+      <p:ext uri="{BB962C8B-B14F-4D97-AF65-F5344CB8AC3E}">
+        <p14:creationId xmlns:p14="http://schemas.microsoft.com/office/powerpoint/2010/main" val="1736897426"/>
+      </p:ext>
+    </p:extLst>
+  </p:cSld>
+  <p:clrMapOvr>
+    <a:masterClrMapping/>
+  </p:clrMapOvr>
+</p:sld>
+</file>
+
+<file path=ppt/slides/slide13.xml><?xml version="1.0" encoding="utf-8"?>
+<p:sld xmlns:a="http://schemas.openxmlformats.org/drawingml/2006/main" xmlns:r="http://schemas.openxmlformats.org/officeDocument/2006/relationships" xmlns:p="http://schemas.openxmlformats.org/presentationml/2006/main">
+  <p:cSld>
+    <p:bg>
+      <p:bgPr>
+        <a:solidFill>
+          <a:schemeClr val="tx1"/>
+        </a:solidFill>
+        <a:effectLst/>
+      </p:bgPr>
+    </p:bg>
+    <p:spTree>
+      <p:nvGrpSpPr>
+        <p:cNvPr id="1" name=""/>
+        <p:cNvGrpSpPr/>
+        <p:nvPr/>
+      </p:nvGrpSpPr>
+      <p:grpSpPr>
+        <a:xfrm>
+          <a:off x="0" y="0"/>
+          <a:ext cx="0" cy="0"/>
+          <a:chOff x="0" y="0"/>
+          <a:chExt cx="0" cy="0"/>
+        </a:xfrm>
+      </p:grpSpPr>
+      <p:sp>
+        <p:nvSpPr>
+          <p:cNvPr id="17" name="제목 1">
+            <a:extLst>
+              <a:ext uri="{FF2B5EF4-FFF2-40B4-BE49-F238E27FC236}">
+                <a16:creationId xmlns:a16="http://schemas.microsoft.com/office/drawing/2014/main" id="{8A127A57-B383-AEC0-3539-97ADABE2926A}"/>
+              </a:ext>
+            </a:extLst>
+          </p:cNvPr>
+          <p:cNvSpPr txBox="1">
+            <a:spLocks/>
+          </p:cNvSpPr>
+          <p:nvPr/>
+        </p:nvSpPr>
+        <p:spPr>
+          <a:xfrm>
+            <a:off x="7183588" y="5777889"/>
+            <a:ext cx="2916666" cy="852841"/>
+          </a:xfrm>
+          <a:prstGeom prst="rect">
+            <a:avLst/>
+          </a:prstGeom>
+        </p:spPr>
+        <p:txBody>
+          <a:bodyPr vert="horz" lIns="91440" tIns="45720" rIns="91440" bIns="45720" rtlCol="0" anchor="ctr">
+            <a:noAutofit/>
+          </a:bodyPr>
+          <a:lstStyle>
+            <a:lvl1pPr algn="l" defTabSz="914400" rtl="0" eaLnBrk="1" latinLnBrk="1" hangingPunct="1">
+              <a:lnSpc>
+                <a:spcPct val="90000"/>
+              </a:lnSpc>
+              <a:spcBef>
+                <a:spcPct val="0"/>
+              </a:spcBef>
+              <a:buNone/>
+              <a:defRPr sz="4400" kern="1200">
+                <a:solidFill>
+                  <a:schemeClr val="tx1"/>
+                </a:solidFill>
+                <a:latin typeface="+mj-lt"/>
+                <a:ea typeface="+mj-ea"/>
+                <a:cs typeface="+mj-cs"/>
+              </a:defRPr>
+            </a:lvl1pPr>
+          </a:lstStyle>
+          <a:p>
+            <a:pPr algn="ctr"/>
+            <a:r>
+              <a:rPr lang="ko-KR" altLang="en-US" sz="3200" dirty="0">
+                <a:solidFill>
+                  <a:schemeClr val="bg1"/>
+                </a:solidFill>
+                <a:ea typeface="맑은 고딕"/>
+              </a:rPr>
+              <a:t>리뷰 상세화면</a:t>
+            </a:r>
+          </a:p>
+        </p:txBody>
+      </p:sp>
+      <p:sp>
+        <p:nvSpPr>
+          <p:cNvPr id="21" name="제목 1">
+            <a:extLst>
+              <a:ext uri="{FF2B5EF4-FFF2-40B4-BE49-F238E27FC236}">
+                <a16:creationId xmlns:a16="http://schemas.microsoft.com/office/drawing/2014/main" id="{2C4F978B-9136-A9FF-BD19-4F7BF1870DF6}"/>
+              </a:ext>
+            </a:extLst>
+          </p:cNvPr>
+          <p:cNvSpPr txBox="1">
+            <a:spLocks/>
+          </p:cNvSpPr>
+          <p:nvPr/>
+        </p:nvSpPr>
+        <p:spPr>
+          <a:xfrm>
+            <a:off x="4410794" y="463902"/>
+            <a:ext cx="3374086" cy="972786"/>
+          </a:xfrm>
+          <a:prstGeom prst="rect">
+            <a:avLst/>
+          </a:prstGeom>
+        </p:spPr>
+        <p:txBody>
+          <a:bodyPr vert="horz" lIns="91440" tIns="45720" rIns="91440" bIns="45720" rtlCol="0" anchor="ctr">
+            <a:noAutofit/>
+          </a:bodyPr>
+          <a:lstStyle>
+            <a:lvl1pPr algn="l" defTabSz="914400" rtl="0" eaLnBrk="1" latinLnBrk="1" hangingPunct="1">
+              <a:lnSpc>
+                <a:spcPct val="90000"/>
+              </a:lnSpc>
+              <a:spcBef>
+                <a:spcPct val="0"/>
+              </a:spcBef>
+              <a:buNone/>
+              <a:defRPr sz="4400" kern="1200">
+                <a:solidFill>
+                  <a:schemeClr val="tx1"/>
+                </a:solidFill>
+                <a:latin typeface="+mj-lt"/>
+                <a:ea typeface="+mj-ea"/>
+                <a:cs typeface="+mj-cs"/>
+              </a:defRPr>
+            </a:lvl1pPr>
+          </a:lstStyle>
+          <a:p>
+            <a:pPr algn="ctr"/>
+            <a:r>
+              <a:rPr lang="ko-KR" altLang="en-US" sz="4800" dirty="0" err="1">
+                <a:solidFill>
+                  <a:schemeClr val="bg1"/>
+                </a:solidFill>
+                <a:ea typeface="맑은 고딕"/>
+              </a:rPr>
+              <a:t>community</a:t>
+            </a:r>
+          </a:p>
+        </p:txBody>
+      </p:sp>
+      <p:pic>
+        <p:nvPicPr>
+          <p:cNvPr id="3" name="그림 3">
+            <a:extLst>
+              <a:ext uri="{FF2B5EF4-FFF2-40B4-BE49-F238E27FC236}">
+                <a16:creationId xmlns:a16="http://schemas.microsoft.com/office/drawing/2014/main" id="{7940010F-E1AD-CF29-66B9-F24C192FD101}"/>
+              </a:ext>
+            </a:extLst>
+          </p:cNvPr>
+          <p:cNvPicPr>
+            <a:picLocks noChangeAspect="1"/>
+          </p:cNvPicPr>
+          <p:nvPr/>
+        </p:nvPicPr>
+        <p:blipFill>
+          <a:blip r:embed="rId2"/>
+          <a:stretch>
+            <a:fillRect/>
+          </a:stretch>
+        </p:blipFill>
+        <p:spPr>
+          <a:xfrm>
+            <a:off x="7073900" y="1634067"/>
+            <a:ext cx="3152422" cy="3596922"/>
+          </a:xfrm>
+          <a:prstGeom prst="rect">
+            <a:avLst/>
+          </a:prstGeom>
+        </p:spPr>
+      </p:pic>
+      <p:pic>
+        <p:nvPicPr>
+          <p:cNvPr id="4" name="그림 4">
+            <a:extLst>
+              <a:ext uri="{FF2B5EF4-FFF2-40B4-BE49-F238E27FC236}">
+                <a16:creationId xmlns:a16="http://schemas.microsoft.com/office/drawing/2014/main" id="{98ABC785-5456-88D6-8E80-70CB1BD0EE0D}"/>
+              </a:ext>
+            </a:extLst>
+          </p:cNvPr>
+          <p:cNvPicPr>
+            <a:picLocks noChangeAspect="1"/>
+          </p:cNvPicPr>
+          <p:nvPr/>
+        </p:nvPicPr>
+        <p:blipFill>
+          <a:blip r:embed="rId3"/>
+          <a:stretch>
+            <a:fillRect/>
+          </a:stretch>
+        </p:blipFill>
+        <p:spPr>
+          <a:xfrm>
+            <a:off x="1387121" y="2233427"/>
+            <a:ext cx="3836811" cy="2595759"/>
+          </a:xfrm>
+          <a:prstGeom prst="rect">
+            <a:avLst/>
+          </a:prstGeom>
+        </p:spPr>
+      </p:pic>
+      <p:sp>
+        <p:nvSpPr>
+          <p:cNvPr id="9" name="제목 1">
+            <a:extLst>
+              <a:ext uri="{FF2B5EF4-FFF2-40B4-BE49-F238E27FC236}">
+                <a16:creationId xmlns:a16="http://schemas.microsoft.com/office/drawing/2014/main" id="{217902D3-D089-C1BB-BB56-2B19B58E24C5}"/>
+              </a:ext>
+            </a:extLst>
+          </p:cNvPr>
+          <p:cNvSpPr txBox="1">
+            <a:spLocks/>
+          </p:cNvSpPr>
+          <p:nvPr/>
+        </p:nvSpPr>
+        <p:spPr>
+          <a:xfrm>
+            <a:off x="1485522" y="5780711"/>
+            <a:ext cx="3636334" cy="852841"/>
+          </a:xfrm>
+          <a:prstGeom prst="rect">
+            <a:avLst/>
+          </a:prstGeom>
+        </p:spPr>
+        <p:txBody>
+          <a:bodyPr vert="horz" lIns="91440" tIns="45720" rIns="91440" bIns="45720" rtlCol="0" anchor="ctr">
+            <a:noAutofit/>
+          </a:bodyPr>
+          <a:lstStyle>
+            <a:lvl1pPr algn="l" defTabSz="914400" rtl="0" eaLnBrk="1" latinLnBrk="1" hangingPunct="1">
+              <a:lnSpc>
+                <a:spcPct val="90000"/>
+              </a:lnSpc>
+              <a:spcBef>
+                <a:spcPct val="0"/>
+              </a:spcBef>
+              <a:buNone/>
+              <a:defRPr sz="4400" kern="1200">
+                <a:solidFill>
+                  <a:schemeClr val="tx1"/>
+                </a:solidFill>
+                <a:latin typeface="+mj-lt"/>
+                <a:ea typeface="+mj-ea"/>
+                <a:cs typeface="+mj-cs"/>
+              </a:defRPr>
+            </a:lvl1pPr>
+          </a:lstStyle>
+          <a:p>
+            <a:pPr algn="ctr"/>
+            <a:r>
+              <a:rPr lang="ko-KR" altLang="en-US" sz="3200" dirty="0">
+                <a:solidFill>
+                  <a:schemeClr val="bg1"/>
+                </a:solidFill>
+                <a:ea typeface="맑은 고딕"/>
+              </a:rPr>
+              <a:t>리뷰 목록화면</a:t>
+            </a:r>
+          </a:p>
+        </p:txBody>
+      </p:sp>
+    </p:spTree>
+    <p:extLst>
+      <p:ext uri="{BB962C8B-B14F-4D97-AF65-F5344CB8AC3E}">
+        <p14:creationId xmlns:p14="http://schemas.microsoft.com/office/powerpoint/2010/main" val="3686432836"/>
+      </p:ext>
+    </p:extLst>
+  </p:cSld>
+  <p:clrMapOvr>
+    <a:masterClrMapping/>
+  </p:clrMapOvr>
+</p:sld>
+</file>
+
+<file path=ppt/slides/slide14.xml><?xml version="1.0" encoding="utf-8"?>
+<p:sld xmlns:a="http://schemas.openxmlformats.org/drawingml/2006/main" xmlns:r="http://schemas.openxmlformats.org/officeDocument/2006/relationships" xmlns:p="http://schemas.openxmlformats.org/presentationml/2006/main">
+  <p:cSld>
+    <p:bg>
+      <p:bgPr>
+        <a:solidFill>
+          <a:schemeClr val="tx1"/>
+        </a:solidFill>
+        <a:effectLst/>
+      </p:bgPr>
+    </p:bg>
+    <p:spTree>
+      <p:nvGrpSpPr>
+        <p:cNvPr id="1" name=""/>
+        <p:cNvGrpSpPr/>
+        <p:nvPr/>
+      </p:nvGrpSpPr>
+      <p:grpSpPr>
+        <a:xfrm>
+          <a:off x="0" y="0"/>
+          <a:ext cx="0" cy="0"/>
+          <a:chOff x="0" y="0"/>
+          <a:chExt cx="0" cy="0"/>
+        </a:xfrm>
+      </p:grpSpPr>
+      <p:sp>
+        <p:nvSpPr>
+          <p:cNvPr id="8" name="직사각형 7">
+            <a:extLst>
+              <a:ext uri="{FF2B5EF4-FFF2-40B4-BE49-F238E27FC236}">
+                <a16:creationId xmlns:a16="http://schemas.microsoft.com/office/drawing/2014/main" id="{1DA370CC-2F0E-C4C9-F53D-D1CB4CC165B0}"/>
+              </a:ext>
+            </a:extLst>
+          </p:cNvPr>
+          <p:cNvSpPr/>
+          <p:nvPr/>
+        </p:nvSpPr>
+        <p:spPr>
+          <a:xfrm>
+            <a:off x="1104194" y="666749"/>
+            <a:ext cx="9990666" cy="5524499"/>
+          </a:xfrm>
+          <a:prstGeom prst="rect">
+            <a:avLst/>
+          </a:prstGeom>
+          <a:noFill/>
+          <a:ln>
+            <a:solidFill>
+              <a:schemeClr val="bg1"/>
+            </a:solidFill>
+          </a:ln>
+        </p:spPr>
+        <p:style>
+          <a:lnRef idx="2">
+            <a:schemeClr val="accent1">
+              <a:shade val="15000"/>
+            </a:schemeClr>
+          </a:lnRef>
+          <a:fillRef idx="1">
+            <a:schemeClr val="accent1"/>
+          </a:fillRef>
+          <a:effectRef idx="0">
+            <a:schemeClr val="accent1"/>
+          </a:effectRef>
+          <a:fontRef idx="minor">
+            <a:schemeClr val="lt1"/>
+          </a:fontRef>
+        </p:style>
+        <p:txBody>
+          <a:bodyPr rtlCol="0" anchor="ctr"/>
+          <a:lstStyle/>
+          <a:p>
+            <a:pPr algn="ctr"/>
+            <a:endParaRPr lang="ko-KR" altLang="en-US"/>
+          </a:p>
+        </p:txBody>
+      </p:sp>
+      <p:sp>
+        <p:nvSpPr>
+          <p:cNvPr id="10" name="제목 1">
+            <a:extLst>
+              <a:ext uri="{FF2B5EF4-FFF2-40B4-BE49-F238E27FC236}">
+                <a16:creationId xmlns:a16="http://schemas.microsoft.com/office/drawing/2014/main" id="{8F2FF1B8-D4E8-3B4B-9A82-93E0A4A200FD}"/>
+              </a:ext>
+            </a:extLst>
+          </p:cNvPr>
+          <p:cNvSpPr>
+            <a:spLocks noGrp="1"/>
+          </p:cNvSpPr>
+          <p:nvPr>
+            <p:ph type="title"/>
+          </p:nvPr>
+        </p:nvSpPr>
+        <p:spPr>
+          <a:xfrm>
+            <a:off x="4470022" y="2760933"/>
+            <a:ext cx="3255334" cy="1339674"/>
+          </a:xfrm>
+        </p:spPr>
+        <p:txBody>
+          <a:bodyPr>
+            <a:noAutofit/>
+          </a:bodyPr>
+          <a:lstStyle/>
+          <a:p>
+            <a:pPr algn="ctr"/>
+            <a:r>
+              <a:rPr lang="ko-KR" altLang="en-US" sz="4800" dirty="0">
+                <a:solidFill>
+                  <a:schemeClr val="bg1"/>
+                </a:solidFill>
+                <a:ea typeface="맑은 고딕"/>
+              </a:rPr>
+              <a:t>시연</a:t>
+            </a:r>
+          </a:p>
+        </p:txBody>
+      </p:sp>
+    </p:spTree>
+    <p:extLst>
+      <p:ext uri="{BB962C8B-B14F-4D97-AF65-F5344CB8AC3E}">
+        <p14:creationId xmlns:p14="http://schemas.microsoft.com/office/powerpoint/2010/main" val="367273975"/>
       </p:ext>
     </p:extLst>
   </p:cSld>
@@ -3123,20 +4272,141 @@
             <p:ph type="title"/>
           </p:nvPr>
         </p:nvSpPr>
-        <p:spPr/>
-        <p:txBody>
-          <a:bodyPr/>
-          <a:lstStyle/>
-          <a:p>
-            <a:r>
-              <a:rPr lang="ko-KR" altLang="en-US" dirty="0" smtClean="0">
+        <p:spPr>
+          <a:xfrm>
+            <a:off x="5396088" y="760236"/>
+            <a:ext cx="1406878" cy="1339674"/>
+          </a:xfrm>
+        </p:spPr>
+        <p:txBody>
+          <a:bodyPr>
+            <a:noAutofit/>
+          </a:bodyPr>
+          <a:lstStyle/>
+          <a:p>
+            <a:r>
+              <a:rPr lang="ko-KR" altLang="en-US" sz="4800" dirty="0">
                 <a:solidFill>
                   <a:schemeClr val="bg1"/>
                 </a:solidFill>
               </a:rPr>
               <a:t>목차</a:t>
             </a:r>
-            <a:endParaRPr lang="ko-KR" altLang="en-US" dirty="0">
+          </a:p>
+        </p:txBody>
+      </p:sp>
+      <p:sp>
+        <p:nvSpPr>
+          <p:cNvPr id="4" name="TextBox 3"/>
+          <p:cNvSpPr txBox="1"/>
+          <p:nvPr/>
+        </p:nvSpPr>
+        <p:spPr>
+          <a:xfrm>
+            <a:off x="1677810" y="2425366"/>
+            <a:ext cx="4545291" cy="1384995"/>
+          </a:xfrm>
+          <a:prstGeom prst="rect">
+            <a:avLst/>
+          </a:prstGeom>
+          <a:noFill/>
+        </p:spPr>
+        <p:txBody>
+          <a:bodyPr wrap="square" lIns="91440" tIns="45720" rIns="91440" bIns="45720" rtlCol="0" anchor="t">
+            <a:spAutoFit/>
+          </a:bodyPr>
+          <a:lstStyle/>
+          <a:p>
+            <a:r>
+              <a:rPr lang="ko-KR" altLang="en-US" sz="2800" dirty="0" err="1">
+                <a:solidFill>
+                  <a:schemeClr val="bg1"/>
+                </a:solidFill>
+                <a:ea typeface="맑은 고딕"/>
+              </a:rPr>
+              <a:t>Ⅰ</a:t>
+            </a:r>
+            <a:r>
+              <a:rPr lang="ko-KR" altLang="en-US" sz="2800" dirty="0">
+                <a:solidFill>
+                  <a:schemeClr val="bg1"/>
+                </a:solidFill>
+                <a:ea typeface="맑은 고딕"/>
+              </a:rPr>
+              <a:t>.  주제 &amp;</a:t>
+            </a:r>
+            <a:r>
+              <a:rPr lang="en-US" altLang="ko-KR" sz="2800" dirty="0">
+                <a:solidFill>
+                  <a:schemeClr val="bg1"/>
+                </a:solidFill>
+                <a:latin typeface="맑은 고딕"/>
+                <a:ea typeface="맑은 고딕"/>
+              </a:rPr>
+              <a:t> </a:t>
+            </a:r>
+            <a:r>
+              <a:rPr lang="ko-KR" altLang="en-US" sz="2800" dirty="0">
+                <a:solidFill>
+                  <a:schemeClr val="bg1"/>
+                </a:solidFill>
+                <a:latin typeface="Malgun Gothic"/>
+                <a:ea typeface="Malgun Gothic"/>
+              </a:rPr>
+              <a:t>작업</a:t>
+            </a:r>
+            <a:r>
+              <a:rPr lang="ko-KR" sz="2800" dirty="0">
+                <a:solidFill>
+                  <a:schemeClr val="bg1"/>
+                </a:solidFill>
+                <a:latin typeface="Malgun Gothic"/>
+                <a:ea typeface="Malgun Gothic"/>
+              </a:rPr>
+              <a:t> 내용</a:t>
+            </a:r>
+            <a:r>
+              <a:rPr lang="en-US" sz="2800" dirty="0">
+                <a:solidFill>
+                  <a:schemeClr val="bg1"/>
+                </a:solidFill>
+                <a:latin typeface="Malgun Gothic"/>
+                <a:ea typeface="Malgun Gothic"/>
+              </a:rPr>
+              <a:t> </a:t>
+            </a:r>
+            <a:r>
+              <a:rPr lang="ko-KR" sz="2800" dirty="0">
+                <a:solidFill>
+                  <a:schemeClr val="bg1"/>
+                </a:solidFill>
+                <a:latin typeface="Malgun Gothic"/>
+                <a:ea typeface="Malgun Gothic"/>
+              </a:rPr>
+              <a:t>설명</a:t>
+            </a:r>
+            <a:endParaRPr lang="en-US" sz="2800" dirty="0">
+              <a:solidFill>
+                <a:schemeClr val="bg1"/>
+              </a:solidFill>
+              <a:latin typeface="Malgun Gothic"/>
+              <a:ea typeface="Malgun Gothic"/>
+            </a:endParaRPr>
+          </a:p>
+          <a:p>
+            <a:endParaRPr lang="en-US" altLang="ko-KR" sz="2800" dirty="0">
+              <a:solidFill>
+                <a:schemeClr val="bg1"/>
+              </a:solidFill>
+              <a:ea typeface="맑은 고딕"/>
+            </a:endParaRPr>
+          </a:p>
+          <a:p>
+            <a:pPr marL="342900" indent="-342900">
+              <a:buFont typeface="+mj-lt"/>
+              <a:buAutoNum type="arabicPeriod"/>
+            </a:pPr>
+            <a:endParaRPr lang="en-US" altLang="ko-KR" sz="2800" dirty="0">
               <a:solidFill>
                 <a:schemeClr val="bg1"/>
               </a:solidFill>
@@ -3146,14 +4416,20 @@
       </p:sp>
       <p:sp>
         <p:nvSpPr>
-          <p:cNvPr id="4" name="TextBox 3"/>
+          <p:cNvPr id="5" name="TextBox 4">
+            <a:extLst>
+              <a:ext uri="{FF2B5EF4-FFF2-40B4-BE49-F238E27FC236}">
+                <a16:creationId xmlns:a16="http://schemas.microsoft.com/office/drawing/2014/main" id="{065AD18D-9260-EA29-2FD1-5AF514DA8BF0}"/>
+              </a:ext>
+            </a:extLst>
+          </p:cNvPr>
           <p:cNvSpPr txBox="1"/>
           <p:nvPr/>
         </p:nvSpPr>
         <p:spPr>
           <a:xfrm>
-            <a:off x="838200" y="2227810"/>
-            <a:ext cx="7614459" cy="1754326"/>
+            <a:off x="1677810" y="3427254"/>
+            <a:ext cx="4425346" cy="523220"/>
           </a:xfrm>
           <a:prstGeom prst="rect">
             <a:avLst/>
@@ -3161,137 +4437,194 @@
           <a:noFill/>
         </p:spPr>
         <p:txBody>
-          <a:bodyPr wrap="square" rtlCol="0">
+          <a:bodyPr wrap="square" lIns="91440" tIns="45720" rIns="91440" bIns="45720" rtlCol="0" anchor="t">
             <a:spAutoFit/>
           </a:bodyPr>
           <a:lstStyle/>
+          <a:p>
+            <a:r>
+              <a:rPr lang="ko-KR" altLang="en-US" sz="2800" dirty="0" err="1">
+                <a:solidFill>
+                  <a:schemeClr val="bg1"/>
+                </a:solidFill>
+                <a:ea typeface="맑은 고딕"/>
+              </a:rPr>
+              <a:t>Ⅱ</a:t>
+            </a:r>
+            <a:r>
+              <a:rPr lang="ko-KR" altLang="en-US" sz="2800" dirty="0">
+                <a:solidFill>
+                  <a:schemeClr val="bg1"/>
+                </a:solidFill>
+                <a:ea typeface="맑은 고딕"/>
+              </a:rPr>
+              <a:t>.  </a:t>
+            </a:r>
+            <a:r>
+              <a:rPr lang="en-US" altLang="ko-KR" sz="2800">
+                <a:solidFill>
+                  <a:schemeClr val="bg1"/>
+                </a:solidFill>
+                <a:latin typeface="Malgun Gothic"/>
+                <a:ea typeface="+mn-lt"/>
+              </a:rPr>
+              <a:t>ERD </a:t>
+            </a:r>
+            <a:r>
+              <a:rPr lang="en-US" altLang="ko-KR" sz="2800">
+                <a:solidFill>
+                  <a:schemeClr val="bg1"/>
+                </a:solidFill>
+                <a:latin typeface="Malgun Gothic"/>
+                <a:ea typeface="Malgun Gothic"/>
+              </a:rPr>
+              <a:t>&amp;</a:t>
+            </a:r>
+            <a:r>
+              <a:rPr lang="en-US" altLang="ko-KR" sz="2800">
+                <a:solidFill>
+                  <a:schemeClr val="bg1"/>
+                </a:solidFill>
+                <a:latin typeface="Malgun Gothic"/>
+                <a:ea typeface="맑은 고딕"/>
+              </a:rPr>
+              <a:t> </a:t>
+            </a:r>
+            <a:r>
+              <a:rPr lang="en-US" altLang="ko-KR" sz="2800">
+                <a:solidFill>
+                  <a:schemeClr val="bg1"/>
+                </a:solidFill>
+                <a:latin typeface="Malgun Gothic"/>
+                <a:ea typeface="Malgun Gothic"/>
+              </a:rPr>
+              <a:t>App</a:t>
+            </a:r>
+            <a:r>
+              <a:rPr lang="ko-KR" sz="2800">
+                <a:solidFill>
+                  <a:schemeClr val="bg1"/>
+                </a:solidFill>
+                <a:latin typeface="Malgun Gothic"/>
+                <a:ea typeface="Malgun Gothic"/>
+              </a:rPr>
+              <a:t> </a:t>
+            </a:r>
+            <a:endParaRPr lang="ko-KR" sz="2800" dirty="0">
+              <a:solidFill>
+                <a:schemeClr val="bg1"/>
+              </a:solidFill>
+              <a:ea typeface="맑은 고딕"/>
+            </a:endParaRPr>
+          </a:p>
+        </p:txBody>
+      </p:sp>
+      <p:sp>
+        <p:nvSpPr>
+          <p:cNvPr id="6" name="TextBox 5">
+            <a:extLst>
+              <a:ext uri="{FF2B5EF4-FFF2-40B4-BE49-F238E27FC236}">
+                <a16:creationId xmlns:a16="http://schemas.microsoft.com/office/drawing/2014/main" id="{AC0EF566-8F2A-91FC-CB3C-88C06318FBA9}"/>
+              </a:ext>
+            </a:extLst>
+          </p:cNvPr>
+          <p:cNvSpPr txBox="1"/>
+          <p:nvPr/>
+        </p:nvSpPr>
+        <p:spPr>
+          <a:xfrm>
+            <a:off x="1677810" y="4464420"/>
+            <a:ext cx="1610180" cy="954107"/>
+          </a:xfrm>
+          <a:prstGeom prst="rect">
+            <a:avLst/>
+          </a:prstGeom>
+          <a:noFill/>
+        </p:spPr>
+        <p:txBody>
+          <a:bodyPr wrap="square" lIns="91440" tIns="45720" rIns="91440" bIns="45720" rtlCol="0" anchor="t">
+            <a:spAutoFit/>
+          </a:bodyPr>
+          <a:lstStyle/>
+          <a:p>
+            <a:r>
+              <a:rPr lang="ko-KR" altLang="en-US" sz="2800" dirty="0">
+                <a:solidFill>
+                  <a:schemeClr val="bg1"/>
+                </a:solidFill>
+                <a:ea typeface="맑은 고딕"/>
+              </a:rPr>
+              <a:t>Ⅲ. 시연</a:t>
+            </a:r>
+            <a:endParaRPr lang="en-US" altLang="ko-KR" sz="2800" dirty="0">
+              <a:solidFill>
+                <a:schemeClr val="bg1"/>
+              </a:solidFill>
+              <a:ea typeface="맑은 고딕" panose="020B0503020000020004" pitchFamily="34" charset="-127"/>
+            </a:endParaRPr>
+          </a:p>
           <a:p>
             <a:pPr marL="342900" indent="-342900">
               <a:buFont typeface="+mj-lt"/>
               <a:buAutoNum type="arabicPeriod"/>
             </a:pPr>
-            <a:r>
-              <a:rPr lang="ko-KR" altLang="en-US" dirty="0" smtClean="0">
-                <a:solidFill>
-                  <a:schemeClr val="bg1"/>
-                </a:solidFill>
-              </a:rPr>
-              <a:t>주제</a:t>
-            </a:r>
-            <a:r>
-              <a:rPr lang="en-US" altLang="ko-KR" dirty="0" smtClean="0">
-                <a:solidFill>
-                  <a:schemeClr val="bg1"/>
-                </a:solidFill>
-              </a:rPr>
-              <a:t>, ERD</a:t>
-            </a:r>
-          </a:p>
-          <a:p>
-            <a:pPr marL="342900" indent="-342900">
-              <a:buFont typeface="+mj-lt"/>
-              <a:buAutoNum type="arabicPeriod"/>
-            </a:pPr>
-            <a:endParaRPr lang="en-US" altLang="ko-KR" dirty="0" smtClean="0">
+            <a:endParaRPr lang="en-US" altLang="ko-KR" sz="2800" dirty="0">
               <a:solidFill>
                 <a:schemeClr val="bg1"/>
               </a:solidFill>
             </a:endParaRPr>
           </a:p>
-          <a:p>
-            <a:pPr marL="342900" indent="-342900">
-              <a:buFont typeface="+mj-lt"/>
-              <a:buAutoNum type="arabicPeriod"/>
-            </a:pPr>
-            <a:r>
-              <a:rPr lang="ko-KR" altLang="en-US" dirty="0" smtClean="0">
-                <a:solidFill>
-                  <a:schemeClr val="bg1"/>
-                </a:solidFill>
-              </a:rPr>
-              <a:t>모듈 </a:t>
-            </a:r>
-            <a:r>
-              <a:rPr lang="en-US" altLang="ko-KR" dirty="0" smtClean="0">
-                <a:solidFill>
-                  <a:schemeClr val="bg1"/>
-                </a:solidFill>
-              </a:rPr>
-              <a:t>3</a:t>
-            </a:r>
-            <a:r>
-              <a:rPr lang="ko-KR" altLang="en-US" dirty="0" smtClean="0">
-                <a:solidFill>
-                  <a:schemeClr val="bg1"/>
-                </a:solidFill>
-              </a:rPr>
-              <a:t>개 </a:t>
-            </a:r>
-            <a:r>
-              <a:rPr lang="en-US" altLang="ko-KR" dirty="0" smtClean="0">
-                <a:solidFill>
-                  <a:schemeClr val="bg1"/>
-                </a:solidFill>
-              </a:rPr>
-              <a:t>– </a:t>
-            </a:r>
-            <a:r>
-              <a:rPr lang="ko-KR" altLang="en-US" dirty="0" smtClean="0">
-                <a:solidFill>
-                  <a:schemeClr val="bg1"/>
-                </a:solidFill>
-              </a:rPr>
-              <a:t>설명</a:t>
-            </a:r>
-            <a:r>
-              <a:rPr lang="en-US" altLang="ko-KR" dirty="0" smtClean="0">
-                <a:solidFill>
-                  <a:schemeClr val="bg1"/>
-                </a:solidFill>
-              </a:rPr>
-              <a:t> </a:t>
-            </a:r>
-          </a:p>
-          <a:p>
-            <a:pPr marL="342900" indent="-342900">
-              <a:buFont typeface="+mj-lt"/>
-              <a:buAutoNum type="arabicPeriod"/>
-            </a:pPr>
-            <a:endParaRPr lang="en-US" altLang="ko-KR" dirty="0" smtClean="0">
-              <a:solidFill>
-                <a:schemeClr val="bg1"/>
-              </a:solidFill>
-            </a:endParaRPr>
-          </a:p>
-          <a:p>
-            <a:pPr marL="342900" indent="-342900">
-              <a:buFont typeface="+mj-lt"/>
-              <a:buAutoNum type="arabicPeriod"/>
-            </a:pPr>
-            <a:r>
-              <a:rPr lang="ko-KR" altLang="en-US" dirty="0" smtClean="0">
-                <a:solidFill>
-                  <a:schemeClr val="bg1"/>
-                </a:solidFill>
-              </a:rPr>
-              <a:t>시연</a:t>
-            </a:r>
-            <a:endParaRPr lang="en-US" altLang="ko-KR" dirty="0" smtClean="0">
-              <a:solidFill>
-                <a:schemeClr val="bg1"/>
-              </a:solidFill>
-            </a:endParaRPr>
-          </a:p>
-          <a:p>
-            <a:pPr marL="342900" indent="-342900">
-              <a:buFont typeface="+mj-lt"/>
-              <a:buAutoNum type="arabicPeriod"/>
-            </a:pPr>
-            <a:endParaRPr lang="en-US" altLang="ko-KR" dirty="0">
-              <a:solidFill>
-                <a:schemeClr val="bg1"/>
-              </a:solidFill>
-            </a:endParaRPr>
+        </p:txBody>
+      </p:sp>
+      <p:sp>
+        <p:nvSpPr>
+          <p:cNvPr id="8" name="직사각형 7">
+            <a:extLst>
+              <a:ext uri="{FF2B5EF4-FFF2-40B4-BE49-F238E27FC236}">
+                <a16:creationId xmlns:a16="http://schemas.microsoft.com/office/drawing/2014/main" id="{2EE9F15D-5729-1D76-39E6-C84DBC1DB31E}"/>
+              </a:ext>
+            </a:extLst>
+          </p:cNvPr>
+          <p:cNvSpPr/>
+          <p:nvPr/>
+        </p:nvSpPr>
+        <p:spPr>
+          <a:xfrm>
+            <a:off x="1104194" y="666749"/>
+            <a:ext cx="9990666" cy="5524499"/>
+          </a:xfrm>
+          <a:prstGeom prst="rect">
+            <a:avLst/>
+          </a:prstGeom>
+          <a:noFill/>
+          <a:ln>
+            <a:solidFill>
+              <a:schemeClr val="bg1"/>
+            </a:solidFill>
+          </a:ln>
+        </p:spPr>
+        <p:style>
+          <a:lnRef idx="2">
+            <a:schemeClr val="accent1">
+              <a:shade val="15000"/>
+            </a:schemeClr>
+          </a:lnRef>
+          <a:fillRef idx="1">
+            <a:schemeClr val="accent1"/>
+          </a:fillRef>
+          <a:effectRef idx="0">
+            <a:schemeClr val="accent1"/>
+          </a:effectRef>
+          <a:fontRef idx="minor">
+            <a:schemeClr val="lt1"/>
+          </a:fontRef>
+        </p:style>
+        <p:txBody>
+          <a:bodyPr rtlCol="0" anchor="ctr"/>
+          <a:lstStyle/>
+          <a:p>
+            <a:pPr algn="ctr"/>
+            <a:endParaRPr lang="ko-KR" altLang="en-US"/>
           </a:p>
         </p:txBody>
       </p:sp>
@@ -3335,7 +4668,130 @@
       </p:grpSpPr>
       <p:sp>
         <p:nvSpPr>
-          <p:cNvPr id="2" name="제목 1"/>
+          <p:cNvPr id="8" name="직사각형 7">
+            <a:extLst>
+              <a:ext uri="{FF2B5EF4-FFF2-40B4-BE49-F238E27FC236}">
+                <a16:creationId xmlns:a16="http://schemas.microsoft.com/office/drawing/2014/main" id="{1DA370CC-2F0E-C4C9-F53D-D1CB4CC165B0}"/>
+              </a:ext>
+            </a:extLst>
+          </p:cNvPr>
+          <p:cNvSpPr/>
+          <p:nvPr/>
+        </p:nvSpPr>
+        <p:spPr>
+          <a:xfrm>
+            <a:off x="1104194" y="666749"/>
+            <a:ext cx="9990666" cy="5524499"/>
+          </a:xfrm>
+          <a:prstGeom prst="rect">
+            <a:avLst/>
+          </a:prstGeom>
+          <a:noFill/>
+          <a:ln>
+            <a:solidFill>
+              <a:schemeClr val="bg1"/>
+            </a:solidFill>
+          </a:ln>
+        </p:spPr>
+        <p:style>
+          <a:lnRef idx="2">
+            <a:schemeClr val="accent1">
+              <a:shade val="15000"/>
+            </a:schemeClr>
+          </a:lnRef>
+          <a:fillRef idx="1">
+            <a:schemeClr val="accent1"/>
+          </a:fillRef>
+          <a:effectRef idx="0">
+            <a:schemeClr val="accent1"/>
+          </a:effectRef>
+          <a:fontRef idx="minor">
+            <a:schemeClr val="lt1"/>
+          </a:fontRef>
+        </p:style>
+        <p:txBody>
+          <a:bodyPr rtlCol="0" anchor="ctr"/>
+          <a:lstStyle/>
+          <a:p>
+            <a:pPr algn="ctr"/>
+            <a:endParaRPr lang="ko-KR" altLang="en-US"/>
+          </a:p>
+        </p:txBody>
+      </p:sp>
+      <p:sp>
+        <p:nvSpPr>
+          <p:cNvPr id="3" name="제목 1">
+            <a:extLst>
+              <a:ext uri="{FF2B5EF4-FFF2-40B4-BE49-F238E27FC236}">
+                <a16:creationId xmlns:a16="http://schemas.microsoft.com/office/drawing/2014/main" id="{4286BF56-DEC1-516E-B42D-52442B09C3E5}"/>
+              </a:ext>
+            </a:extLst>
+          </p:cNvPr>
+          <p:cNvSpPr txBox="1">
+            <a:spLocks/>
+          </p:cNvSpPr>
+          <p:nvPr/>
+        </p:nvSpPr>
+        <p:spPr>
+          <a:xfrm>
+            <a:off x="4558961" y="760236"/>
+            <a:ext cx="2922530" cy="1339674"/>
+          </a:xfrm>
+          <a:prstGeom prst="rect">
+            <a:avLst/>
+          </a:prstGeom>
+        </p:spPr>
+        <p:txBody>
+          <a:bodyPr vert="horz" lIns="91440" tIns="45720" rIns="91440" bIns="45720" rtlCol="0" anchor="ctr">
+            <a:noAutofit/>
+          </a:bodyPr>
+          <a:lstStyle>
+            <a:lvl1pPr algn="l" defTabSz="914400" rtl="0" eaLnBrk="1" latinLnBrk="1" hangingPunct="1">
+              <a:lnSpc>
+                <a:spcPct val="90000"/>
+              </a:lnSpc>
+              <a:spcBef>
+                <a:spcPct val="0"/>
+              </a:spcBef>
+              <a:buNone/>
+              <a:defRPr sz="4400" kern="1200">
+                <a:solidFill>
+                  <a:schemeClr val="tx1"/>
+                </a:solidFill>
+                <a:latin typeface="+mj-lt"/>
+                <a:ea typeface="+mj-ea"/>
+                <a:cs typeface="+mj-cs"/>
+              </a:defRPr>
+            </a:lvl1pPr>
+          </a:lstStyle>
+          <a:p>
+            <a:pPr algn="ctr"/>
+            <a:r>
+              <a:rPr lang="ko-KR" altLang="en-US" sz="4800" dirty="0">
+                <a:solidFill>
+                  <a:schemeClr val="bg1"/>
+                </a:solidFill>
+                <a:ea typeface="맑은 고딕"/>
+              </a:rPr>
+              <a:t>주제</a:t>
+            </a:r>
+            <a:endParaRPr lang="ko-KR" dirty="0">
+              <a:solidFill>
+                <a:schemeClr val="bg1"/>
+              </a:solidFill>
+            </a:endParaRPr>
+          </a:p>
+        </p:txBody>
+      </p:sp>
+      <p:sp>
+        <p:nvSpPr>
+          <p:cNvPr id="7" name="제목 1">
+            <a:extLst>
+              <a:ext uri="{FF2B5EF4-FFF2-40B4-BE49-F238E27FC236}">
+                <a16:creationId xmlns:a16="http://schemas.microsoft.com/office/drawing/2014/main" id="{B385F4DD-D307-01DB-C3A9-97A43C23A185}"/>
+              </a:ext>
+            </a:extLst>
+          </p:cNvPr>
           <p:cNvSpPr>
             <a:spLocks noGrp="1"/>
           </p:cNvSpPr>
@@ -3343,38 +4799,52 @@
             <p:ph type="title"/>
           </p:nvPr>
         </p:nvSpPr>
-        <p:spPr/>
-        <p:txBody>
-          <a:bodyPr/>
-          <a:lstStyle/>
-          <a:p>
-            <a:endParaRPr lang="ko-KR" altLang="en-US"/>
-          </a:p>
-        </p:txBody>
-      </p:sp>
-      <p:sp>
-        <p:nvSpPr>
-          <p:cNvPr id="3" name="내용 개체 틀 2"/>
-          <p:cNvSpPr>
-            <a:spLocks noGrp="1"/>
-          </p:cNvSpPr>
-          <p:nvPr>
-            <p:ph idx="1"/>
-          </p:nvPr>
-        </p:nvSpPr>
-        <p:spPr/>
-        <p:txBody>
-          <a:bodyPr/>
-          <a:lstStyle/>
-          <a:p>
-            <a:endParaRPr lang="ko-KR" altLang="en-US"/>
+        <p:spPr>
+          <a:xfrm>
+            <a:off x="4711361" y="2761192"/>
+            <a:ext cx="2774364" cy="1339674"/>
+          </a:xfrm>
+        </p:spPr>
+        <p:txBody>
+          <a:bodyPr>
+            <a:noAutofit/>
+          </a:bodyPr>
+          <a:lstStyle/>
+          <a:p>
+            <a:r>
+              <a:rPr lang="ko-KR" altLang="en-US" sz="4800" dirty="0">
+                <a:solidFill>
+                  <a:schemeClr val="bg1"/>
+                </a:solidFill>
+                <a:ea typeface="맑은 고딕"/>
+              </a:rPr>
+              <a:t>'</a:t>
+            </a:r>
+            <a:r>
+              <a:rPr lang="ko-KR" altLang="en-US" sz="4800" dirty="0" err="1">
+                <a:solidFill>
+                  <a:schemeClr val="bg1"/>
+                </a:solidFill>
+                <a:ea typeface="맑은 고딕"/>
+              </a:rPr>
+              <a:t>Director</a:t>
+            </a:r>
+            <a:r>
+              <a:rPr lang="ko-KR" altLang="en-US" sz="4800" dirty="0">
+                <a:solidFill>
+                  <a:schemeClr val="bg1"/>
+                </a:solidFill>
+                <a:ea typeface="맑은 고딕"/>
+              </a:rPr>
+              <a:t>'</a:t>
+            </a:r>
           </a:p>
         </p:txBody>
       </p:sp>
     </p:spTree>
     <p:extLst>
       <p:ext uri="{BB962C8B-B14F-4D97-AF65-F5344CB8AC3E}">
-        <p14:creationId xmlns:p14="http://schemas.microsoft.com/office/powerpoint/2010/main" val="1942313637"/>
+        <p14:creationId xmlns:p14="http://schemas.microsoft.com/office/powerpoint/2010/main" val="2983334250"/>
       </p:ext>
     </p:extLst>
   </p:cSld>
@@ -3409,9 +4879,127 @@
           <a:chExt cx="0" cy="0"/>
         </a:xfrm>
       </p:grpSpPr>
-      <p:sp>
-        <p:nvSpPr>
-          <p:cNvPr id="2" name="제목 1"/>
+      <p:pic>
+        <p:nvPicPr>
+          <p:cNvPr id="5" name="그림 5" descr="로고이(가) 표시된 사진&#10;&#10;자동 생성된 설명">
+            <a:extLst>
+              <a:ext uri="{FF2B5EF4-FFF2-40B4-BE49-F238E27FC236}">
+                <a16:creationId xmlns:a16="http://schemas.microsoft.com/office/drawing/2014/main" id="{5B3656F1-C2BE-03D9-37B2-B36807BC463A}"/>
+              </a:ext>
+            </a:extLst>
+          </p:cNvPr>
+          <p:cNvPicPr>
+            <a:picLocks noChangeAspect="1"/>
+          </p:cNvPicPr>
+          <p:nvPr/>
+        </p:nvPicPr>
+        <p:blipFill>
+          <a:blip r:embed="rId2"/>
+          <a:stretch>
+            <a:fillRect/>
+          </a:stretch>
+        </p:blipFill>
+        <p:spPr>
+          <a:xfrm>
+            <a:off x="2861069" y="2297412"/>
+            <a:ext cx="2108469" cy="2256779"/>
+          </a:xfrm>
+          <a:prstGeom prst="rect">
+            <a:avLst/>
+          </a:prstGeom>
+        </p:spPr>
+      </p:pic>
+      <p:pic>
+        <p:nvPicPr>
+          <p:cNvPr id="6" name="그림 6" descr="로고이(가) 표시된 사진&#10;&#10;자동 생성된 설명">
+            <a:extLst>
+              <a:ext uri="{FF2B5EF4-FFF2-40B4-BE49-F238E27FC236}">
+                <a16:creationId xmlns:a16="http://schemas.microsoft.com/office/drawing/2014/main" id="{9AC3AC47-FBC3-ED9A-16AC-94A50AF67EA8}"/>
+              </a:ext>
+            </a:extLst>
+          </p:cNvPr>
+          <p:cNvPicPr>
+            <a:picLocks noChangeAspect="1"/>
+          </p:cNvPicPr>
+          <p:nvPr/>
+        </p:nvPicPr>
+        <p:blipFill>
+          <a:blip r:embed="rId3"/>
+          <a:stretch>
+            <a:fillRect/>
+          </a:stretch>
+        </p:blipFill>
+        <p:spPr>
+          <a:xfrm>
+            <a:off x="7249791" y="2510641"/>
+            <a:ext cx="2281708" cy="1832867"/>
+          </a:xfrm>
+          <a:prstGeom prst="rect">
+            <a:avLst/>
+          </a:prstGeom>
+        </p:spPr>
+      </p:pic>
+      <p:sp>
+        <p:nvSpPr>
+          <p:cNvPr id="8" name="직사각형 7">
+            <a:extLst>
+              <a:ext uri="{FF2B5EF4-FFF2-40B4-BE49-F238E27FC236}">
+                <a16:creationId xmlns:a16="http://schemas.microsoft.com/office/drawing/2014/main" id="{1DA370CC-2F0E-C4C9-F53D-D1CB4CC165B0}"/>
+              </a:ext>
+            </a:extLst>
+          </p:cNvPr>
+          <p:cNvSpPr/>
+          <p:nvPr/>
+        </p:nvSpPr>
+        <p:spPr>
+          <a:xfrm>
+            <a:off x="1104194" y="666749"/>
+            <a:ext cx="9990666" cy="5524499"/>
+          </a:xfrm>
+          <a:prstGeom prst="rect">
+            <a:avLst/>
+          </a:prstGeom>
+          <a:noFill/>
+          <a:ln>
+            <a:solidFill>
+              <a:schemeClr val="bg1"/>
+            </a:solidFill>
+          </a:ln>
+        </p:spPr>
+        <p:style>
+          <a:lnRef idx="2">
+            <a:schemeClr val="accent1">
+              <a:shade val="15000"/>
+            </a:schemeClr>
+          </a:lnRef>
+          <a:fillRef idx="1">
+            <a:schemeClr val="accent1"/>
+          </a:fillRef>
+          <a:effectRef idx="0">
+            <a:schemeClr val="accent1"/>
+          </a:effectRef>
+          <a:fontRef idx="minor">
+            <a:schemeClr val="lt1"/>
+          </a:fontRef>
+        </p:style>
+        <p:txBody>
+          <a:bodyPr rtlCol="0" anchor="ctr"/>
+          <a:lstStyle/>
+          <a:p>
+            <a:pPr algn="ctr"/>
+            <a:endParaRPr lang="ko-KR" altLang="en-US"/>
+          </a:p>
+        </p:txBody>
+      </p:sp>
+      <p:sp>
+        <p:nvSpPr>
+          <p:cNvPr id="11" name="제목 1">
+            <a:extLst>
+              <a:ext uri="{FF2B5EF4-FFF2-40B4-BE49-F238E27FC236}">
+                <a16:creationId xmlns:a16="http://schemas.microsoft.com/office/drawing/2014/main" id="{9F0ACDDD-0AD8-17AE-B799-2950F5FB62D1}"/>
+              </a:ext>
+            </a:extLst>
+          </p:cNvPr>
           <p:cNvSpPr>
             <a:spLocks noGrp="1"/>
           </p:cNvSpPr>
@@ -3419,30 +5007,83 @@
             <p:ph type="title"/>
           </p:nvPr>
         </p:nvSpPr>
-        <p:spPr/>
-        <p:txBody>
-          <a:bodyPr/>
-          <a:lstStyle/>
-          <a:p>
-            <a:endParaRPr lang="ko-KR" altLang="en-US"/>
-          </a:p>
-        </p:txBody>
-      </p:sp>
-      <p:sp>
-        <p:nvSpPr>
-          <p:cNvPr id="3" name="내용 개체 틀 2"/>
-          <p:cNvSpPr>
-            <a:spLocks noGrp="1"/>
-          </p:cNvSpPr>
-          <p:nvPr>
-            <p:ph idx="1"/>
-          </p:nvPr>
-        </p:nvSpPr>
-        <p:spPr/>
-        <p:txBody>
-          <a:bodyPr/>
-          <a:lstStyle/>
-          <a:p>
+        <p:spPr>
+          <a:xfrm>
+            <a:off x="4558961" y="760236"/>
+            <a:ext cx="2922530" cy="1339674"/>
+          </a:xfrm>
+        </p:spPr>
+        <p:txBody>
+          <a:bodyPr>
+            <a:noAutofit/>
+          </a:bodyPr>
+          <a:lstStyle/>
+          <a:p>
+            <a:r>
+              <a:rPr lang="ko-KR" altLang="en-US" sz="4800" dirty="0">
+                <a:solidFill>
+                  <a:schemeClr val="bg1"/>
+                </a:solidFill>
+                <a:ea typeface="맑은 고딕"/>
+              </a:rPr>
+              <a:t>작업 내용</a:t>
+            </a:r>
+            <a:endParaRPr lang="ko-KR" altLang="en-US" sz="4800" dirty="0">
+              <a:solidFill>
+                <a:schemeClr val="bg1"/>
+              </a:solidFill>
+            </a:endParaRPr>
+          </a:p>
+        </p:txBody>
+      </p:sp>
+      <p:sp>
+        <p:nvSpPr>
+          <p:cNvPr id="13" name="더하기 기호 12">
+            <a:extLst>
+              <a:ext uri="{FF2B5EF4-FFF2-40B4-BE49-F238E27FC236}">
+                <a16:creationId xmlns:a16="http://schemas.microsoft.com/office/drawing/2014/main" id="{55CB2C54-9151-C81A-4395-B1B966EA379E}"/>
+              </a:ext>
+            </a:extLst>
+          </p:cNvPr>
+          <p:cNvSpPr/>
+          <p:nvPr/>
+        </p:nvSpPr>
+        <p:spPr>
+          <a:xfrm>
+            <a:off x="5527183" y="2999704"/>
+            <a:ext cx="740535" cy="762000"/>
+          </a:xfrm>
+          <a:prstGeom prst="mathPlus">
+            <a:avLst/>
+          </a:prstGeom>
+          <a:noFill/>
+          <a:ln w="28575">
+            <a:solidFill>
+              <a:schemeClr val="bg1"/>
+            </a:solidFill>
+          </a:ln>
+        </p:spPr>
+        <p:style>
+          <a:lnRef idx="2">
+            <a:schemeClr val="accent1">
+              <a:shade val="15000"/>
+            </a:schemeClr>
+          </a:lnRef>
+          <a:fillRef idx="1">
+            <a:schemeClr val="accent1"/>
+          </a:fillRef>
+          <a:effectRef idx="0">
+            <a:schemeClr val="accent1"/>
+          </a:effectRef>
+          <a:fontRef idx="minor">
+            <a:schemeClr val="lt1"/>
+          </a:fontRef>
+        </p:style>
+        <p:txBody>
+          <a:bodyPr rtlCol="0" anchor="ctr"/>
+          <a:lstStyle/>
+          <a:p>
+            <a:pPr algn="ctr"/>
             <a:endParaRPr lang="ko-KR" altLang="en-US"/>
           </a:p>
         </p:txBody>
@@ -3450,7 +5091,1070 @@
     </p:spTree>
     <p:extLst>
       <p:ext uri="{BB962C8B-B14F-4D97-AF65-F5344CB8AC3E}">
-        <p14:creationId xmlns:p14="http://schemas.microsoft.com/office/powerpoint/2010/main" val="3601089147"/>
+        <p14:creationId xmlns:p14="http://schemas.microsoft.com/office/powerpoint/2010/main" val="1942313637"/>
+      </p:ext>
+    </p:extLst>
+  </p:cSld>
+  <p:clrMapOvr>
+    <a:masterClrMapping/>
+  </p:clrMapOvr>
+</p:sld>
+</file>
+
+<file path=ppt/slides/slide5.xml><?xml version="1.0" encoding="utf-8"?>
+<p:sld xmlns:a="http://schemas.openxmlformats.org/drawingml/2006/main" xmlns:r="http://schemas.openxmlformats.org/officeDocument/2006/relationships" xmlns:p="http://schemas.openxmlformats.org/presentationml/2006/main">
+  <p:cSld>
+    <p:bg>
+      <p:bgPr>
+        <a:solidFill>
+          <a:schemeClr val="tx1"/>
+        </a:solidFill>
+        <a:effectLst/>
+      </p:bgPr>
+    </p:bg>
+    <p:spTree>
+      <p:nvGrpSpPr>
+        <p:cNvPr id="1" name=""/>
+        <p:cNvGrpSpPr/>
+        <p:nvPr/>
+      </p:nvGrpSpPr>
+      <p:grpSpPr>
+        <a:xfrm>
+          <a:off x="0" y="0"/>
+          <a:ext cx="0" cy="0"/>
+          <a:chOff x="0" y="0"/>
+          <a:chExt cx="0" cy="0"/>
+        </a:xfrm>
+      </p:grpSpPr>
+      <p:sp>
+        <p:nvSpPr>
+          <p:cNvPr id="8" name="직사각형 7">
+            <a:extLst>
+              <a:ext uri="{FF2B5EF4-FFF2-40B4-BE49-F238E27FC236}">
+                <a16:creationId xmlns:a16="http://schemas.microsoft.com/office/drawing/2014/main" id="{1DA370CC-2F0E-C4C9-F53D-D1CB4CC165B0}"/>
+              </a:ext>
+            </a:extLst>
+          </p:cNvPr>
+          <p:cNvSpPr/>
+          <p:nvPr/>
+        </p:nvSpPr>
+        <p:spPr>
+          <a:xfrm>
+            <a:off x="1104194" y="666749"/>
+            <a:ext cx="9990666" cy="5524499"/>
+          </a:xfrm>
+          <a:prstGeom prst="rect">
+            <a:avLst/>
+          </a:prstGeom>
+          <a:noFill/>
+          <a:ln>
+            <a:solidFill>
+              <a:schemeClr val="bg1"/>
+            </a:solidFill>
+          </a:ln>
+        </p:spPr>
+        <p:style>
+          <a:lnRef idx="2">
+            <a:schemeClr val="accent1">
+              <a:shade val="15000"/>
+            </a:schemeClr>
+          </a:lnRef>
+          <a:fillRef idx="1">
+            <a:schemeClr val="accent1"/>
+          </a:fillRef>
+          <a:effectRef idx="0">
+            <a:schemeClr val="accent1"/>
+          </a:effectRef>
+          <a:fontRef idx="minor">
+            <a:schemeClr val="lt1"/>
+          </a:fontRef>
+        </p:style>
+        <p:txBody>
+          <a:bodyPr rtlCol="0" anchor="ctr"/>
+          <a:lstStyle/>
+          <a:p>
+            <a:pPr algn="ctr"/>
+            <a:endParaRPr lang="ko-KR" altLang="en-US"/>
+          </a:p>
+        </p:txBody>
+      </p:sp>
+      <p:sp>
+        <p:nvSpPr>
+          <p:cNvPr id="11" name="제목 1">
+            <a:extLst>
+              <a:ext uri="{FF2B5EF4-FFF2-40B4-BE49-F238E27FC236}">
+                <a16:creationId xmlns:a16="http://schemas.microsoft.com/office/drawing/2014/main" id="{9F0ACDDD-0AD8-17AE-B799-2950F5FB62D1}"/>
+              </a:ext>
+            </a:extLst>
+          </p:cNvPr>
+          <p:cNvSpPr>
+            <a:spLocks noGrp="1"/>
+          </p:cNvSpPr>
+          <p:nvPr>
+            <p:ph type="title"/>
+          </p:nvPr>
+        </p:nvSpPr>
+        <p:spPr>
+          <a:xfrm>
+            <a:off x="3528850" y="781403"/>
+            <a:ext cx="4693473" cy="1339674"/>
+          </a:xfrm>
+        </p:spPr>
+        <p:txBody>
+          <a:bodyPr>
+            <a:noAutofit/>
+          </a:bodyPr>
+          <a:lstStyle/>
+          <a:p>
+            <a:r>
+              <a:rPr lang="ko-KR" altLang="en-US" sz="4800" dirty="0">
+                <a:solidFill>
+                  <a:schemeClr val="bg1"/>
+                </a:solidFill>
+                <a:ea typeface="맑은 고딕"/>
+              </a:rPr>
+              <a:t>작업 내용</a:t>
+            </a:r>
+            <a:r>
+              <a:rPr lang="ko-KR" altLang="en-US" sz="2400" dirty="0">
+                <a:solidFill>
+                  <a:schemeClr val="bg1"/>
+                </a:solidFill>
+                <a:ea typeface="맑은 고딕"/>
+              </a:rPr>
+              <a:t>(데이터 요청)</a:t>
+            </a:r>
+          </a:p>
+        </p:txBody>
+      </p:sp>
+      <p:pic>
+        <p:nvPicPr>
+          <p:cNvPr id="2" name="그림 2" descr="텍스트, 스크린샷, 화면이(가) 표시된 사진&#10;&#10;자동 생성된 설명">
+            <a:extLst>
+              <a:ext uri="{FF2B5EF4-FFF2-40B4-BE49-F238E27FC236}">
+                <a16:creationId xmlns:a16="http://schemas.microsoft.com/office/drawing/2014/main" id="{8EF4231F-9A95-5C5F-58AE-72A86007A4B8}"/>
+              </a:ext>
+            </a:extLst>
+          </p:cNvPr>
+          <p:cNvPicPr>
+            <a:picLocks noChangeAspect="1"/>
+          </p:cNvPicPr>
+          <p:nvPr/>
+        </p:nvPicPr>
+        <p:blipFill>
+          <a:blip r:embed="rId2"/>
+          <a:stretch>
+            <a:fillRect/>
+          </a:stretch>
+        </p:blipFill>
+        <p:spPr>
+          <a:xfrm>
+            <a:off x="3764845" y="2176775"/>
+            <a:ext cx="4224867" cy="2511503"/>
+          </a:xfrm>
+          <a:prstGeom prst="rect">
+            <a:avLst/>
+          </a:prstGeom>
+        </p:spPr>
+      </p:pic>
+      <p:sp>
+        <p:nvSpPr>
+          <p:cNvPr id="4" name="TextBox 3">
+            <a:extLst>
+              <a:ext uri="{FF2B5EF4-FFF2-40B4-BE49-F238E27FC236}">
+                <a16:creationId xmlns:a16="http://schemas.microsoft.com/office/drawing/2014/main" id="{4EC91C77-B01D-5934-2F6A-50D28EAB3CF1}"/>
+              </a:ext>
+            </a:extLst>
+          </p:cNvPr>
+          <p:cNvSpPr txBox="1"/>
+          <p:nvPr/>
+        </p:nvSpPr>
+        <p:spPr>
+          <a:xfrm>
+            <a:off x="4697587" y="5007700"/>
+            <a:ext cx="2351015" cy="954107"/>
+          </a:xfrm>
+          <a:prstGeom prst="rect">
+            <a:avLst/>
+          </a:prstGeom>
+          <a:noFill/>
+        </p:spPr>
+        <p:txBody>
+          <a:bodyPr wrap="square" lIns="91440" tIns="45720" rIns="91440" bIns="45720" rtlCol="0" anchor="t">
+            <a:spAutoFit/>
+          </a:bodyPr>
+          <a:lstStyle/>
+          <a:p>
+            <a:r>
+              <a:rPr lang="ko-KR" altLang="en-US" sz="2800" dirty="0">
+                <a:solidFill>
+                  <a:schemeClr val="bg1"/>
+                </a:solidFill>
+                <a:ea typeface="맑은 고딕"/>
+              </a:rPr>
+              <a:t>JSON 파일화</a:t>
+            </a:r>
+          </a:p>
+          <a:p>
+            <a:pPr marL="342900" indent="-342900">
+              <a:buFont typeface="+mj-lt"/>
+              <a:buAutoNum type="arabicPeriod"/>
+            </a:pPr>
+            <a:endParaRPr lang="en-US" altLang="ko-KR" sz="2800" dirty="0">
+              <a:solidFill>
+                <a:schemeClr val="bg1"/>
+              </a:solidFill>
+            </a:endParaRPr>
+          </a:p>
+        </p:txBody>
+      </p:sp>
+    </p:spTree>
+    <p:extLst>
+      <p:ext uri="{BB962C8B-B14F-4D97-AF65-F5344CB8AC3E}">
+        <p14:creationId xmlns:p14="http://schemas.microsoft.com/office/powerpoint/2010/main" val="2261306433"/>
+      </p:ext>
+    </p:extLst>
+  </p:cSld>
+  <p:clrMapOvr>
+    <a:masterClrMapping/>
+  </p:clrMapOvr>
+</p:sld>
+</file>
+
+<file path=ppt/slides/slide6.xml><?xml version="1.0" encoding="utf-8"?>
+<p:sld xmlns:a="http://schemas.openxmlformats.org/drawingml/2006/main" xmlns:r="http://schemas.openxmlformats.org/officeDocument/2006/relationships" xmlns:p="http://schemas.openxmlformats.org/presentationml/2006/main">
+  <p:cSld>
+    <p:bg>
+      <p:bgPr>
+        <a:solidFill>
+          <a:schemeClr val="tx1"/>
+        </a:solidFill>
+        <a:effectLst/>
+      </p:bgPr>
+    </p:bg>
+    <p:spTree>
+      <p:nvGrpSpPr>
+        <p:cNvPr id="1" name=""/>
+        <p:cNvGrpSpPr/>
+        <p:nvPr/>
+      </p:nvGrpSpPr>
+      <p:grpSpPr>
+        <a:xfrm>
+          <a:off x="0" y="0"/>
+          <a:ext cx="0" cy="0"/>
+          <a:chOff x="0" y="0"/>
+          <a:chExt cx="0" cy="0"/>
+        </a:xfrm>
+      </p:grpSpPr>
+      <p:sp>
+        <p:nvSpPr>
+          <p:cNvPr id="8" name="직사각형 7">
+            <a:extLst>
+              <a:ext uri="{FF2B5EF4-FFF2-40B4-BE49-F238E27FC236}">
+                <a16:creationId xmlns:a16="http://schemas.microsoft.com/office/drawing/2014/main" id="{1DA370CC-2F0E-C4C9-F53D-D1CB4CC165B0}"/>
+              </a:ext>
+            </a:extLst>
+          </p:cNvPr>
+          <p:cNvSpPr/>
+          <p:nvPr/>
+        </p:nvSpPr>
+        <p:spPr>
+          <a:xfrm>
+            <a:off x="1104194" y="666749"/>
+            <a:ext cx="9990666" cy="5524499"/>
+          </a:xfrm>
+          <a:prstGeom prst="rect">
+            <a:avLst/>
+          </a:prstGeom>
+          <a:noFill/>
+          <a:ln>
+            <a:solidFill>
+              <a:schemeClr val="bg1"/>
+            </a:solidFill>
+          </a:ln>
+        </p:spPr>
+        <p:style>
+          <a:lnRef idx="2">
+            <a:schemeClr val="accent1">
+              <a:shade val="15000"/>
+            </a:schemeClr>
+          </a:lnRef>
+          <a:fillRef idx="1">
+            <a:schemeClr val="accent1"/>
+          </a:fillRef>
+          <a:effectRef idx="0">
+            <a:schemeClr val="accent1"/>
+          </a:effectRef>
+          <a:fontRef idx="minor">
+            <a:schemeClr val="lt1"/>
+          </a:fontRef>
+        </p:style>
+        <p:txBody>
+          <a:bodyPr rtlCol="0" anchor="ctr"/>
+          <a:lstStyle/>
+          <a:p>
+            <a:pPr algn="ctr"/>
+            <a:endParaRPr lang="ko-KR" altLang="en-US"/>
+          </a:p>
+        </p:txBody>
+      </p:sp>
+      <p:sp>
+        <p:nvSpPr>
+          <p:cNvPr id="11" name="제목 1">
+            <a:extLst>
+              <a:ext uri="{FF2B5EF4-FFF2-40B4-BE49-F238E27FC236}">
+                <a16:creationId xmlns:a16="http://schemas.microsoft.com/office/drawing/2014/main" id="{9F0ACDDD-0AD8-17AE-B799-2950F5FB62D1}"/>
+              </a:ext>
+            </a:extLst>
+          </p:cNvPr>
+          <p:cNvSpPr>
+            <a:spLocks noGrp="1"/>
+          </p:cNvSpPr>
+          <p:nvPr>
+            <p:ph type="title"/>
+          </p:nvPr>
+        </p:nvSpPr>
+        <p:spPr>
+          <a:xfrm>
+            <a:off x="3528850" y="781403"/>
+            <a:ext cx="4693473" cy="1339674"/>
+          </a:xfrm>
+        </p:spPr>
+        <p:txBody>
+          <a:bodyPr>
+            <a:noAutofit/>
+          </a:bodyPr>
+          <a:lstStyle/>
+          <a:p>
+            <a:r>
+              <a:rPr lang="ko-KR" altLang="en-US" sz="4800" dirty="0">
+                <a:solidFill>
+                  <a:schemeClr val="bg1"/>
+                </a:solidFill>
+                <a:ea typeface="맑은 고딕"/>
+              </a:rPr>
+              <a:t>작업 내용</a:t>
+            </a:r>
+            <a:r>
+              <a:rPr lang="ko-KR" altLang="en-US" sz="2400" dirty="0">
+                <a:solidFill>
+                  <a:schemeClr val="bg1"/>
+                </a:solidFill>
+                <a:ea typeface="맑은 고딕"/>
+              </a:rPr>
+              <a:t>(영화 추천)</a:t>
+            </a:r>
+          </a:p>
+        </p:txBody>
+      </p:sp>
+      <p:sp>
+        <p:nvSpPr>
+          <p:cNvPr id="4" name="TextBox 3">
+            <a:extLst>
+              <a:ext uri="{FF2B5EF4-FFF2-40B4-BE49-F238E27FC236}">
+                <a16:creationId xmlns:a16="http://schemas.microsoft.com/office/drawing/2014/main" id="{4EC91C77-B01D-5934-2F6A-50D28EAB3CF1}"/>
+              </a:ext>
+            </a:extLst>
+          </p:cNvPr>
+          <p:cNvSpPr txBox="1"/>
+          <p:nvPr/>
+        </p:nvSpPr>
+        <p:spPr>
+          <a:xfrm>
+            <a:off x="2192865" y="5000644"/>
+            <a:ext cx="2957793" cy="1384995"/>
+          </a:xfrm>
+          <a:prstGeom prst="rect">
+            <a:avLst/>
+          </a:prstGeom>
+          <a:noFill/>
+        </p:spPr>
+        <p:txBody>
+          <a:bodyPr wrap="square" lIns="91440" tIns="45720" rIns="91440" bIns="45720" rtlCol="0" anchor="t">
+            <a:spAutoFit/>
+          </a:bodyPr>
+          <a:lstStyle/>
+          <a:p>
+            <a:pPr algn="ctr"/>
+            <a:r>
+              <a:rPr lang="ko-KR" altLang="en-US" sz="2800">
+                <a:solidFill>
+                  <a:schemeClr val="bg1"/>
+                </a:solidFill>
+                <a:ea typeface="맑은 고딕"/>
+              </a:rPr>
+              <a:t>좋아요 한 영화</a:t>
+            </a:r>
+            <a:endParaRPr lang="ko-KR">
+              <a:solidFill>
+                <a:schemeClr val="bg1"/>
+              </a:solidFill>
+            </a:endParaRPr>
+          </a:p>
+          <a:p>
+            <a:pPr algn="ctr"/>
+            <a:r>
+              <a:rPr lang="ko-KR" altLang="en-US" sz="2800" dirty="0">
+                <a:solidFill>
+                  <a:schemeClr val="bg1"/>
+                </a:solidFill>
+                <a:ea typeface="맑은 고딕"/>
+              </a:rPr>
+              <a:t>감독 리스트 생성</a:t>
+            </a:r>
+            <a:endParaRPr lang="ko-KR" dirty="0">
+              <a:solidFill>
+                <a:schemeClr val="bg1"/>
+              </a:solidFill>
+            </a:endParaRPr>
+          </a:p>
+          <a:p>
+            <a:pPr marL="342900" indent="-342900" algn="ctr">
+              <a:buFont typeface="+mj-lt"/>
+              <a:buAutoNum type="arabicPeriod"/>
+            </a:pPr>
+            <a:endParaRPr lang="en-US" altLang="ko-KR" sz="2800" dirty="0">
+              <a:solidFill>
+                <a:schemeClr val="bg1"/>
+              </a:solidFill>
+            </a:endParaRPr>
+          </a:p>
+        </p:txBody>
+      </p:sp>
+      <p:pic>
+        <p:nvPicPr>
+          <p:cNvPr id="3" name="그림 4" descr="텍스트이(가) 표시된 사진&#10;&#10;자동 생성된 설명">
+            <a:extLst>
+              <a:ext uri="{FF2B5EF4-FFF2-40B4-BE49-F238E27FC236}">
+                <a16:creationId xmlns:a16="http://schemas.microsoft.com/office/drawing/2014/main" id="{095A3729-2077-8673-B827-39131DFCF6D7}"/>
+              </a:ext>
+            </a:extLst>
+          </p:cNvPr>
+          <p:cNvPicPr>
+            <a:picLocks noChangeAspect="1"/>
+          </p:cNvPicPr>
+          <p:nvPr/>
+        </p:nvPicPr>
+        <p:blipFill>
+          <a:blip r:embed="rId2"/>
+          <a:stretch>
+            <a:fillRect/>
+          </a:stretch>
+        </p:blipFill>
+        <p:spPr>
+          <a:xfrm>
+            <a:off x="1683455" y="2280361"/>
+            <a:ext cx="3977921" cy="2530110"/>
+          </a:xfrm>
+          <a:prstGeom prst="rect">
+            <a:avLst/>
+          </a:prstGeom>
+        </p:spPr>
+      </p:pic>
+      <p:pic>
+        <p:nvPicPr>
+          <p:cNvPr id="7" name="그림 8" descr="텍스트이(가) 표시된 사진&#10;&#10;자동 생성된 설명">
+            <a:extLst>
+              <a:ext uri="{FF2B5EF4-FFF2-40B4-BE49-F238E27FC236}">
+                <a16:creationId xmlns:a16="http://schemas.microsoft.com/office/drawing/2014/main" id="{572BB03F-77CC-506C-C405-BD7AB43895D8}"/>
+              </a:ext>
+            </a:extLst>
+          </p:cNvPr>
+          <p:cNvPicPr>
+            <a:picLocks noChangeAspect="1"/>
+          </p:cNvPicPr>
+          <p:nvPr/>
+        </p:nvPicPr>
+        <p:blipFill>
+          <a:blip r:embed="rId3"/>
+          <a:stretch>
+            <a:fillRect/>
+          </a:stretch>
+        </p:blipFill>
+        <p:spPr>
+          <a:xfrm>
+            <a:off x="6170789" y="2282481"/>
+            <a:ext cx="4358921" cy="2539981"/>
+          </a:xfrm>
+          <a:prstGeom prst="rect">
+            <a:avLst/>
+          </a:prstGeom>
+        </p:spPr>
+      </p:pic>
+      <p:sp>
+        <p:nvSpPr>
+          <p:cNvPr id="9" name="TextBox 8">
+            <a:extLst>
+              <a:ext uri="{FF2B5EF4-FFF2-40B4-BE49-F238E27FC236}">
+                <a16:creationId xmlns:a16="http://schemas.microsoft.com/office/drawing/2014/main" id="{2AED0191-571E-B933-049D-C4946CB09199}"/>
+              </a:ext>
+            </a:extLst>
+          </p:cNvPr>
+          <p:cNvSpPr txBox="1"/>
+          <p:nvPr/>
+        </p:nvSpPr>
+        <p:spPr>
+          <a:xfrm>
+            <a:off x="6503809" y="5000644"/>
+            <a:ext cx="3832681" cy="954107"/>
+          </a:xfrm>
+          <a:prstGeom prst="rect">
+            <a:avLst/>
+          </a:prstGeom>
+          <a:noFill/>
+        </p:spPr>
+        <p:txBody>
+          <a:bodyPr wrap="square" lIns="91440" tIns="45720" rIns="91440" bIns="45720" rtlCol="0" anchor="t">
+            <a:spAutoFit/>
+          </a:bodyPr>
+          <a:lstStyle/>
+          <a:p>
+            <a:pPr algn="ctr"/>
+            <a:r>
+              <a:rPr lang="ko-KR" altLang="en-US" sz="2800" dirty="0">
+                <a:solidFill>
+                  <a:schemeClr val="bg1"/>
+                </a:solidFill>
+                <a:ea typeface="맑은 고딕"/>
+              </a:rPr>
+              <a:t>영화 데이터와 비교 및 추천 리스트 추가</a:t>
+            </a:r>
+            <a:endParaRPr lang="ko-KR">
+              <a:solidFill>
+                <a:schemeClr val="bg1"/>
+              </a:solidFill>
+            </a:endParaRPr>
+          </a:p>
+        </p:txBody>
+      </p:sp>
+      <p:sp>
+        <p:nvSpPr>
+          <p:cNvPr id="10" name="화살표: 오른쪽 9">
+            <a:extLst>
+              <a:ext uri="{FF2B5EF4-FFF2-40B4-BE49-F238E27FC236}">
+                <a16:creationId xmlns:a16="http://schemas.microsoft.com/office/drawing/2014/main" id="{39544662-7B7E-2127-3C1F-40A21EB8D892}"/>
+              </a:ext>
+            </a:extLst>
+          </p:cNvPr>
+          <p:cNvSpPr/>
+          <p:nvPr/>
+        </p:nvSpPr>
+        <p:spPr>
+          <a:xfrm>
+            <a:off x="5810249" y="3312583"/>
+            <a:ext cx="225777" cy="416277"/>
+          </a:xfrm>
+          <a:prstGeom prst="rightArrow">
+            <a:avLst/>
+          </a:prstGeom>
+          <a:solidFill>
+            <a:schemeClr val="bg1"/>
+          </a:solidFill>
+        </p:spPr>
+        <p:style>
+          <a:lnRef idx="2">
+            <a:schemeClr val="accent1">
+              <a:shade val="15000"/>
+            </a:schemeClr>
+          </a:lnRef>
+          <a:fillRef idx="1">
+            <a:schemeClr val="accent1"/>
+          </a:fillRef>
+          <a:effectRef idx="0">
+            <a:schemeClr val="accent1"/>
+          </a:effectRef>
+          <a:fontRef idx="minor">
+            <a:schemeClr val="lt1"/>
+          </a:fontRef>
+        </p:style>
+        <p:txBody>
+          <a:bodyPr rtlCol="0" anchor="ctr"/>
+          <a:lstStyle/>
+          <a:p>
+            <a:pPr algn="ctr"/>
+            <a:endParaRPr lang="ko-KR" altLang="en-US"/>
+          </a:p>
+        </p:txBody>
+      </p:sp>
+    </p:spTree>
+    <p:extLst>
+      <p:ext uri="{BB962C8B-B14F-4D97-AF65-F5344CB8AC3E}">
+        <p14:creationId xmlns:p14="http://schemas.microsoft.com/office/powerpoint/2010/main" val="3993408917"/>
+      </p:ext>
+    </p:extLst>
+  </p:cSld>
+  <p:clrMapOvr>
+    <a:masterClrMapping/>
+  </p:clrMapOvr>
+</p:sld>
+</file>
+
+<file path=ppt/slides/slide7.xml><?xml version="1.0" encoding="utf-8"?>
+<p:sld xmlns:a="http://schemas.openxmlformats.org/drawingml/2006/main" xmlns:r="http://schemas.openxmlformats.org/officeDocument/2006/relationships" xmlns:p="http://schemas.openxmlformats.org/presentationml/2006/main">
+  <p:cSld>
+    <p:bg>
+      <p:bgPr>
+        <a:solidFill>
+          <a:schemeClr val="tx1"/>
+        </a:solidFill>
+        <a:effectLst/>
+      </p:bgPr>
+    </p:bg>
+    <p:spTree>
+      <p:nvGrpSpPr>
+        <p:cNvPr id="1" name=""/>
+        <p:cNvGrpSpPr/>
+        <p:nvPr/>
+      </p:nvGrpSpPr>
+      <p:grpSpPr>
+        <a:xfrm>
+          <a:off x="0" y="0"/>
+          <a:ext cx="0" cy="0"/>
+          <a:chOff x="0" y="0"/>
+          <a:chExt cx="0" cy="0"/>
+        </a:xfrm>
+      </p:grpSpPr>
+      <p:sp>
+        <p:nvSpPr>
+          <p:cNvPr id="8" name="직사각형 7">
+            <a:extLst>
+              <a:ext uri="{FF2B5EF4-FFF2-40B4-BE49-F238E27FC236}">
+                <a16:creationId xmlns:a16="http://schemas.microsoft.com/office/drawing/2014/main" id="{1DA370CC-2F0E-C4C9-F53D-D1CB4CC165B0}"/>
+              </a:ext>
+            </a:extLst>
+          </p:cNvPr>
+          <p:cNvSpPr/>
+          <p:nvPr/>
+        </p:nvSpPr>
+        <p:spPr>
+          <a:xfrm>
+            <a:off x="1104194" y="666749"/>
+            <a:ext cx="9990666" cy="5524499"/>
+          </a:xfrm>
+          <a:prstGeom prst="rect">
+            <a:avLst/>
+          </a:prstGeom>
+          <a:noFill/>
+          <a:ln>
+            <a:solidFill>
+              <a:schemeClr val="bg1"/>
+            </a:solidFill>
+          </a:ln>
+        </p:spPr>
+        <p:style>
+          <a:lnRef idx="2">
+            <a:schemeClr val="accent1">
+              <a:shade val="15000"/>
+            </a:schemeClr>
+          </a:lnRef>
+          <a:fillRef idx="1">
+            <a:schemeClr val="accent1"/>
+          </a:fillRef>
+          <a:effectRef idx="0">
+            <a:schemeClr val="accent1"/>
+          </a:effectRef>
+          <a:fontRef idx="minor">
+            <a:schemeClr val="lt1"/>
+          </a:fontRef>
+        </p:style>
+        <p:txBody>
+          <a:bodyPr rtlCol="0" anchor="ctr"/>
+          <a:lstStyle/>
+          <a:p>
+            <a:pPr algn="ctr"/>
+            <a:endParaRPr lang="ko-KR" altLang="en-US"/>
+          </a:p>
+        </p:txBody>
+      </p:sp>
+      <p:sp>
+        <p:nvSpPr>
+          <p:cNvPr id="11" name="제목 1">
+            <a:extLst>
+              <a:ext uri="{FF2B5EF4-FFF2-40B4-BE49-F238E27FC236}">
+                <a16:creationId xmlns:a16="http://schemas.microsoft.com/office/drawing/2014/main" id="{9F0ACDDD-0AD8-17AE-B799-2950F5FB62D1}"/>
+              </a:ext>
+            </a:extLst>
+          </p:cNvPr>
+          <p:cNvSpPr>
+            <a:spLocks noGrp="1"/>
+          </p:cNvSpPr>
+          <p:nvPr>
+            <p:ph type="title"/>
+          </p:nvPr>
+        </p:nvSpPr>
+        <p:spPr>
+          <a:xfrm>
+            <a:off x="3528850" y="781403"/>
+            <a:ext cx="4693473" cy="1339674"/>
+          </a:xfrm>
+        </p:spPr>
+        <p:txBody>
+          <a:bodyPr>
+            <a:noAutofit/>
+          </a:bodyPr>
+          <a:lstStyle/>
+          <a:p>
+            <a:r>
+              <a:rPr lang="ko-KR" altLang="en-US" sz="4800" dirty="0">
+                <a:solidFill>
+                  <a:schemeClr val="bg1"/>
+                </a:solidFill>
+                <a:ea typeface="맑은 고딕"/>
+              </a:rPr>
+              <a:t>작업 내용</a:t>
+            </a:r>
+            <a:r>
+              <a:rPr lang="ko-KR" altLang="en-US" sz="2400" dirty="0">
+                <a:solidFill>
+                  <a:schemeClr val="bg1"/>
+                </a:solidFill>
+                <a:ea typeface="맑은 고딕"/>
+              </a:rPr>
+              <a:t>(데이터 요청)</a:t>
+            </a:r>
+          </a:p>
+        </p:txBody>
+      </p:sp>
+      <p:pic>
+        <p:nvPicPr>
+          <p:cNvPr id="2" name="그림 2" descr="텍스트, 스크린샷, 화면이(가) 표시된 사진&#10;&#10;자동 생성된 설명">
+            <a:extLst>
+              <a:ext uri="{FF2B5EF4-FFF2-40B4-BE49-F238E27FC236}">
+                <a16:creationId xmlns:a16="http://schemas.microsoft.com/office/drawing/2014/main" id="{8EF4231F-9A95-5C5F-58AE-72A86007A4B8}"/>
+              </a:ext>
+            </a:extLst>
+          </p:cNvPr>
+          <p:cNvPicPr>
+            <a:picLocks noChangeAspect="1"/>
+          </p:cNvPicPr>
+          <p:nvPr/>
+        </p:nvPicPr>
+        <p:blipFill>
+          <a:blip r:embed="rId2"/>
+          <a:stretch>
+            <a:fillRect/>
+          </a:stretch>
+        </p:blipFill>
+        <p:spPr>
+          <a:xfrm>
+            <a:off x="3764845" y="2176775"/>
+            <a:ext cx="4224867" cy="2511503"/>
+          </a:xfrm>
+          <a:prstGeom prst="rect">
+            <a:avLst/>
+          </a:prstGeom>
+        </p:spPr>
+      </p:pic>
+      <p:sp>
+        <p:nvSpPr>
+          <p:cNvPr id="4" name="TextBox 3">
+            <a:extLst>
+              <a:ext uri="{FF2B5EF4-FFF2-40B4-BE49-F238E27FC236}">
+                <a16:creationId xmlns:a16="http://schemas.microsoft.com/office/drawing/2014/main" id="{4EC91C77-B01D-5934-2F6A-50D28EAB3CF1}"/>
+              </a:ext>
+            </a:extLst>
+          </p:cNvPr>
+          <p:cNvSpPr txBox="1"/>
+          <p:nvPr/>
+        </p:nvSpPr>
+        <p:spPr>
+          <a:xfrm>
+            <a:off x="4697587" y="5007700"/>
+            <a:ext cx="2351015" cy="954107"/>
+          </a:xfrm>
+          <a:prstGeom prst="rect">
+            <a:avLst/>
+          </a:prstGeom>
+          <a:noFill/>
+        </p:spPr>
+        <p:txBody>
+          <a:bodyPr wrap="square" lIns="91440" tIns="45720" rIns="91440" bIns="45720" rtlCol="0" anchor="t">
+            <a:spAutoFit/>
+          </a:bodyPr>
+          <a:lstStyle/>
+          <a:p>
+            <a:r>
+              <a:rPr lang="ko-KR" altLang="en-US" sz="2800" dirty="0">
+                <a:solidFill>
+                  <a:schemeClr val="bg1"/>
+                </a:solidFill>
+                <a:ea typeface="맑은 고딕"/>
+              </a:rPr>
+              <a:t>JSON 파일화</a:t>
+            </a:r>
+          </a:p>
+          <a:p>
+            <a:pPr marL="342900" indent="-342900">
+              <a:buFont typeface="+mj-lt"/>
+              <a:buAutoNum type="arabicPeriod"/>
+            </a:pPr>
+            <a:endParaRPr lang="en-US" altLang="ko-KR" sz="2800" dirty="0">
+              <a:solidFill>
+                <a:schemeClr val="bg1"/>
+              </a:solidFill>
+            </a:endParaRPr>
+          </a:p>
+        </p:txBody>
+      </p:sp>
+    </p:spTree>
+    <p:extLst>
+      <p:ext uri="{BB962C8B-B14F-4D97-AF65-F5344CB8AC3E}">
+        <p14:creationId xmlns:p14="http://schemas.microsoft.com/office/powerpoint/2010/main" val="3544827602"/>
+      </p:ext>
+    </p:extLst>
+  </p:cSld>
+  <p:clrMapOvr>
+    <a:masterClrMapping/>
+  </p:clrMapOvr>
+</p:sld>
+</file>
+
+<file path=ppt/slides/slide8.xml><?xml version="1.0" encoding="utf-8"?>
+<p:sld xmlns:a="http://schemas.openxmlformats.org/drawingml/2006/main" xmlns:r="http://schemas.openxmlformats.org/officeDocument/2006/relationships" xmlns:p="http://schemas.openxmlformats.org/presentationml/2006/main">
+  <p:cSld>
+    <p:bg>
+      <p:bgPr>
+        <a:solidFill>
+          <a:schemeClr val="tx1"/>
+        </a:solidFill>
+        <a:effectLst/>
+      </p:bgPr>
+    </p:bg>
+    <p:spTree>
+      <p:nvGrpSpPr>
+        <p:cNvPr id="1" name=""/>
+        <p:cNvGrpSpPr/>
+        <p:nvPr/>
+      </p:nvGrpSpPr>
+      <p:grpSpPr>
+        <a:xfrm>
+          <a:off x="0" y="0"/>
+          <a:ext cx="0" cy="0"/>
+          <a:chOff x="0" y="0"/>
+          <a:chExt cx="0" cy="0"/>
+        </a:xfrm>
+      </p:grpSpPr>
+      <p:sp>
+        <p:nvSpPr>
+          <p:cNvPr id="8" name="직사각형 7">
+            <a:extLst>
+              <a:ext uri="{FF2B5EF4-FFF2-40B4-BE49-F238E27FC236}">
+                <a16:creationId xmlns:a16="http://schemas.microsoft.com/office/drawing/2014/main" id="{1DA370CC-2F0E-C4C9-F53D-D1CB4CC165B0}"/>
+              </a:ext>
+            </a:extLst>
+          </p:cNvPr>
+          <p:cNvSpPr/>
+          <p:nvPr/>
+        </p:nvSpPr>
+        <p:spPr>
+          <a:xfrm>
+            <a:off x="1104194" y="666749"/>
+            <a:ext cx="9990666" cy="5524499"/>
+          </a:xfrm>
+          <a:prstGeom prst="rect">
+            <a:avLst/>
+          </a:prstGeom>
+          <a:noFill/>
+          <a:ln>
+            <a:solidFill>
+              <a:schemeClr val="bg1"/>
+            </a:solidFill>
+          </a:ln>
+        </p:spPr>
+        <p:style>
+          <a:lnRef idx="2">
+            <a:schemeClr val="accent1">
+              <a:shade val="15000"/>
+            </a:schemeClr>
+          </a:lnRef>
+          <a:fillRef idx="1">
+            <a:schemeClr val="accent1"/>
+          </a:fillRef>
+          <a:effectRef idx="0">
+            <a:schemeClr val="accent1"/>
+          </a:effectRef>
+          <a:fontRef idx="minor">
+            <a:schemeClr val="lt1"/>
+          </a:fontRef>
+        </p:style>
+        <p:txBody>
+          <a:bodyPr rtlCol="0" anchor="ctr"/>
+          <a:lstStyle/>
+          <a:p>
+            <a:pPr algn="ctr"/>
+            <a:endParaRPr lang="ko-KR" altLang="en-US"/>
+          </a:p>
+        </p:txBody>
+      </p:sp>
+      <p:sp>
+        <p:nvSpPr>
+          <p:cNvPr id="10" name="제목 1">
+            <a:extLst>
+              <a:ext uri="{FF2B5EF4-FFF2-40B4-BE49-F238E27FC236}">
+                <a16:creationId xmlns:a16="http://schemas.microsoft.com/office/drawing/2014/main" id="{8F2FF1B8-D4E8-3B4B-9A82-93E0A4A200FD}"/>
+              </a:ext>
+            </a:extLst>
+          </p:cNvPr>
+          <p:cNvSpPr>
+            <a:spLocks noGrp="1"/>
+          </p:cNvSpPr>
+          <p:nvPr>
+            <p:ph type="title"/>
+          </p:nvPr>
+        </p:nvSpPr>
+        <p:spPr>
+          <a:xfrm>
+            <a:off x="5422522" y="2711544"/>
+            <a:ext cx="1357390" cy="1339674"/>
+          </a:xfrm>
+        </p:spPr>
+        <p:txBody>
+          <a:bodyPr>
+            <a:noAutofit/>
+          </a:bodyPr>
+          <a:lstStyle/>
+          <a:p>
+            <a:r>
+              <a:rPr lang="ko-KR" altLang="en-US" sz="4800" dirty="0">
+                <a:solidFill>
+                  <a:schemeClr val="bg1"/>
+                </a:solidFill>
+                <a:ea typeface="맑은 고딕"/>
+              </a:rPr>
+              <a:t>ERD</a:t>
+            </a:r>
+            <a:endParaRPr lang="ko-KR" altLang="en-US" sz="4800" dirty="0">
+              <a:solidFill>
+                <a:schemeClr val="bg1"/>
+              </a:solidFill>
+            </a:endParaRPr>
+          </a:p>
+        </p:txBody>
+      </p:sp>
+    </p:spTree>
+    <p:extLst>
+      <p:ext uri="{BB962C8B-B14F-4D97-AF65-F5344CB8AC3E}">
+        <p14:creationId xmlns:p14="http://schemas.microsoft.com/office/powerpoint/2010/main" val="207960310"/>
+      </p:ext>
+    </p:extLst>
+  </p:cSld>
+  <p:clrMapOvr>
+    <a:masterClrMapping/>
+  </p:clrMapOvr>
+</p:sld>
+</file>
+
+<file path=ppt/slides/slide9.xml><?xml version="1.0" encoding="utf-8"?>
+<p:sld xmlns:a="http://schemas.openxmlformats.org/drawingml/2006/main" xmlns:r="http://schemas.openxmlformats.org/officeDocument/2006/relationships" xmlns:p="http://schemas.openxmlformats.org/presentationml/2006/main">
+  <p:cSld>
+    <p:bg>
+      <p:bgPr>
+        <a:solidFill>
+          <a:schemeClr val="tx1"/>
+        </a:solidFill>
+        <a:effectLst/>
+      </p:bgPr>
+    </p:bg>
+    <p:spTree>
+      <p:nvGrpSpPr>
+        <p:cNvPr id="1" name=""/>
+        <p:cNvGrpSpPr/>
+        <p:nvPr/>
+      </p:nvGrpSpPr>
+      <p:grpSpPr>
+        <a:xfrm>
+          <a:off x="0" y="0"/>
+          <a:ext cx="0" cy="0"/>
+          <a:chOff x="0" y="0"/>
+          <a:chExt cx="0" cy="0"/>
+        </a:xfrm>
+      </p:grpSpPr>
+      <p:sp>
+        <p:nvSpPr>
+          <p:cNvPr id="8" name="직사각형 7">
+            <a:extLst>
+              <a:ext uri="{FF2B5EF4-FFF2-40B4-BE49-F238E27FC236}">
+                <a16:creationId xmlns:a16="http://schemas.microsoft.com/office/drawing/2014/main" id="{1DA370CC-2F0E-C4C9-F53D-D1CB4CC165B0}"/>
+              </a:ext>
+            </a:extLst>
+          </p:cNvPr>
+          <p:cNvSpPr/>
+          <p:nvPr/>
+        </p:nvSpPr>
+        <p:spPr>
+          <a:xfrm>
+            <a:off x="1104194" y="666749"/>
+            <a:ext cx="9990666" cy="5524499"/>
+          </a:xfrm>
+          <a:prstGeom prst="rect">
+            <a:avLst/>
+          </a:prstGeom>
+          <a:noFill/>
+          <a:ln>
+            <a:solidFill>
+              <a:schemeClr val="bg1"/>
+            </a:solidFill>
+          </a:ln>
+        </p:spPr>
+        <p:style>
+          <a:lnRef idx="2">
+            <a:schemeClr val="accent1">
+              <a:shade val="15000"/>
+            </a:schemeClr>
+          </a:lnRef>
+          <a:fillRef idx="1">
+            <a:schemeClr val="accent1"/>
+          </a:fillRef>
+          <a:effectRef idx="0">
+            <a:schemeClr val="accent1"/>
+          </a:effectRef>
+          <a:fontRef idx="minor">
+            <a:schemeClr val="lt1"/>
+          </a:fontRef>
+        </p:style>
+        <p:txBody>
+          <a:bodyPr rtlCol="0" anchor="ctr"/>
+          <a:lstStyle/>
+          <a:p>
+            <a:pPr algn="ctr"/>
+            <a:endParaRPr lang="ko-KR" altLang="en-US"/>
+          </a:p>
+        </p:txBody>
+      </p:sp>
+      <p:pic>
+        <p:nvPicPr>
+          <p:cNvPr id="5" name="그림 5" descr="도표이(가) 표시된 사진&#10;&#10;자동 생성된 설명">
+            <a:extLst>
+              <a:ext uri="{FF2B5EF4-FFF2-40B4-BE49-F238E27FC236}">
+                <a16:creationId xmlns:a16="http://schemas.microsoft.com/office/drawing/2014/main" id="{E84C134C-4C11-0CD1-E9E5-57A6BB678618}"/>
+              </a:ext>
+            </a:extLst>
+          </p:cNvPr>
+          <p:cNvPicPr>
+            <a:picLocks noChangeAspect="1"/>
+          </p:cNvPicPr>
+          <p:nvPr/>
+        </p:nvPicPr>
+        <p:blipFill>
+          <a:blip r:embed="rId2"/>
+          <a:stretch>
+            <a:fillRect/>
+          </a:stretch>
+        </p:blipFill>
+        <p:spPr>
+          <a:xfrm>
+            <a:off x="1104900" y="666854"/>
+            <a:ext cx="9989255" cy="5531347"/>
+          </a:xfrm>
+          <a:prstGeom prst="rect">
+            <a:avLst/>
+          </a:prstGeom>
+        </p:spPr>
+      </p:pic>
+    </p:spTree>
+    <p:extLst>
+      <p:ext uri="{BB962C8B-B14F-4D97-AF65-F5344CB8AC3E}">
+        <p14:creationId xmlns:p14="http://schemas.microsoft.com/office/powerpoint/2010/main" val="3278841947"/>
       </p:ext>
     </p:extLst>
   </p:cSld>
